--- a/Module_Three/presentations/module_3_presentation.pptx
+++ b/Module_Three/presentations/module_3_presentation.pptx
@@ -5,7 +5,7 @@
     <p:sldMasterId id="2147483655" r:id="rId1"/>
   </p:sldMasterIdLst>
   <p:notesMasterIdLst>
-    <p:notesMasterId r:id="rId17"/>
+    <p:notesMasterId r:id="rId31"/>
   </p:notesMasterIdLst>
   <p:sldIdLst>
     <p:sldId id="256" r:id="rId2"/>
@@ -21,8 +21,22 @@
     <p:sldId id="540" r:id="rId12"/>
     <p:sldId id="541" r:id="rId13"/>
     <p:sldId id="542" r:id="rId14"/>
-    <p:sldId id="543" r:id="rId15"/>
-    <p:sldId id="489" r:id="rId16"/>
+    <p:sldId id="555" r:id="rId15"/>
+    <p:sldId id="556" r:id="rId16"/>
+    <p:sldId id="553" r:id="rId17"/>
+    <p:sldId id="554" r:id="rId18"/>
+    <p:sldId id="543" r:id="rId19"/>
+    <p:sldId id="544" r:id="rId20"/>
+    <p:sldId id="545" r:id="rId21"/>
+    <p:sldId id="546" r:id="rId22"/>
+    <p:sldId id="547" r:id="rId23"/>
+    <p:sldId id="548" r:id="rId24"/>
+    <p:sldId id="549" r:id="rId25"/>
+    <p:sldId id="550" r:id="rId26"/>
+    <p:sldId id="551" r:id="rId27"/>
+    <p:sldId id="552" r:id="rId28"/>
+    <p:sldId id="557" r:id="rId29"/>
+    <p:sldId id="489" r:id="rId30"/>
   </p:sldIdLst>
   <p:sldSz cx="9144000" cy="6858000" type="screen4x3"/>
   <p:notesSz cx="6858000" cy="9144000"/>
@@ -2481,7 +2495,7 @@
             </a:pPr>
             <a:fld id="{00000000-1234-1234-1234-123412341234}" type="slidenum">
               <a:rPr lang="en-US"/>
-              <a:t>15</a:t>
+              <a:t>29</a:t>
             </a:fld>
             <a:endParaRPr lang="en-US"/>
           </a:p>
@@ -8268,6 +8282,745 @@
           <p:cNvPr id="2" name="Title 1">
             <a:extLst>
               <a:ext uri="{FF2B5EF4-FFF2-40B4-BE49-F238E27FC236}">
+                <a16:creationId xmlns:a16="http://schemas.microsoft.com/office/drawing/2014/main" id="{8E67FA44-66C8-9C4C-9349-BD704A840AB2}"/>
+              </a:ext>
+            </a:extLst>
+          </p:cNvPr>
+          <p:cNvSpPr>
+            <a:spLocks noGrp="1"/>
+          </p:cNvSpPr>
+          <p:nvPr>
+            <p:ph type="title"/>
+          </p:nvPr>
+        </p:nvSpPr>
+        <p:spPr/>
+        <p:txBody>
+          <a:bodyPr/>
+          <a:lstStyle/>
+          <a:p>
+            <a:r>
+              <a:rPr lang="en-US" dirty="0"/>
+              <a:t>“Continue” vs ”Break”</a:t>
+            </a:r>
+          </a:p>
+        </p:txBody>
+      </p:sp>
+      <p:sp>
+        <p:nvSpPr>
+          <p:cNvPr id="3" name="Text Placeholder 2">
+            <a:extLst>
+              <a:ext uri="{FF2B5EF4-FFF2-40B4-BE49-F238E27FC236}">
+                <a16:creationId xmlns:a16="http://schemas.microsoft.com/office/drawing/2014/main" id="{135F0005-95A7-6C43-B56A-F21FD014FEC7}"/>
+              </a:ext>
+            </a:extLst>
+          </p:cNvPr>
+          <p:cNvSpPr>
+            <a:spLocks noGrp="1"/>
+          </p:cNvSpPr>
+          <p:nvPr>
+            <p:ph type="body" idx="1"/>
+          </p:nvPr>
+        </p:nvSpPr>
+        <p:spPr/>
+        <p:txBody>
+          <a:bodyPr/>
+          <a:lstStyle/>
+          <a:p>
+            <a:r>
+              <a:rPr lang="en-US" dirty="0"/>
+              <a:t>IF you are in the midst of a loop, switch, or select statement you have the option to use the </a:t>
+            </a:r>
+            <a:r>
+              <a:rPr lang="en-US" b="1" dirty="0"/>
+              <a:t>break</a:t>
+            </a:r>
+            <a:r>
+              <a:rPr lang="en-US" dirty="0"/>
+              <a:t> or the </a:t>
+            </a:r>
+            <a:r>
+              <a:rPr lang="en-US" b="1" dirty="0"/>
+              <a:t>continue</a:t>
+            </a:r>
+            <a:r>
+              <a:rPr lang="en-US" dirty="0"/>
+              <a:t> statement:</a:t>
+            </a:r>
+          </a:p>
+          <a:p>
+            <a:r>
+              <a:rPr lang="en-US" dirty="0"/>
+              <a:t>For BREAK:</a:t>
+            </a:r>
+          </a:p>
+          <a:p>
+            <a:pPr lvl="1"/>
+            <a:r>
+              <a:rPr lang="en-US" dirty="0"/>
+              <a:t>If there is a label, it must be that of an enclosing "for", "switch", or "select" statement, and that is the one whose execution terminates.</a:t>
+            </a:r>
+          </a:p>
+          <a:p>
+            <a:r>
+              <a:rPr lang="en-US" dirty="0"/>
+              <a:t>For CONTINUE:</a:t>
+            </a:r>
+          </a:p>
+          <a:p>
+            <a:pPr lvl="1"/>
+            <a:r>
+              <a:rPr lang="en-US" dirty="0"/>
+              <a:t>If there is a label, it must be that of an enclosing "for" statement, and that is the one whose execution advances.</a:t>
+            </a:r>
+          </a:p>
+          <a:p>
+            <a:pPr lvl="1"/>
+            <a:endParaRPr lang="en-US" dirty="0"/>
+          </a:p>
+        </p:txBody>
+      </p:sp>
+      <p:pic>
+        <p:nvPicPr>
+          <p:cNvPr id="10242" name="Picture 2" descr="Image result for go gopher">
+            <a:extLst>
+              <a:ext uri="{FF2B5EF4-FFF2-40B4-BE49-F238E27FC236}">
+                <a16:creationId xmlns:a16="http://schemas.microsoft.com/office/drawing/2014/main" id="{27E37411-A47A-9943-9021-50C843052101}"/>
+              </a:ext>
+            </a:extLst>
+          </p:cNvPr>
+          <p:cNvPicPr>
+            <a:picLocks noChangeAspect="1" noChangeArrowheads="1"/>
+          </p:cNvPicPr>
+          <p:nvPr/>
+        </p:nvPicPr>
+        <p:blipFill>
+          <a:blip r:embed="rId2">
+            <a:extLst>
+              <a:ext uri="{28A0092B-C50C-407E-A947-70E740481C1C}">
+                <a14:useLocalDpi xmlns:a14="http://schemas.microsoft.com/office/drawing/2010/main" val="0"/>
+              </a:ext>
+            </a:extLst>
+          </a:blip>
+          <a:srcRect/>
+          <a:stretch>
+            <a:fillRect/>
+          </a:stretch>
+        </p:blipFill>
+        <p:spPr bwMode="auto">
+          <a:xfrm>
+            <a:off x="3929160" y="5608947"/>
+            <a:ext cx="908428" cy="971223"/>
+          </a:xfrm>
+          <a:prstGeom prst="rect">
+            <a:avLst/>
+          </a:prstGeom>
+          <a:noFill/>
+          <a:extLst>
+            <a:ext uri="{909E8E84-426E-40DD-AFC4-6F175D3DCCD1}">
+              <a14:hiddenFill xmlns:a14="http://schemas.microsoft.com/office/drawing/2010/main">
+                <a:solidFill>
+                  <a:srgbClr val="FFFFFF"/>
+                </a:solidFill>
+              </a14:hiddenFill>
+            </a:ext>
+          </a:extLst>
+        </p:spPr>
+      </p:pic>
+    </p:spTree>
+    <p:extLst>
+      <p:ext uri="{BB962C8B-B14F-4D97-AF65-F5344CB8AC3E}">
+        <p14:creationId xmlns:p14="http://schemas.microsoft.com/office/powerpoint/2010/main" val="3461402392"/>
+      </p:ext>
+    </p:extLst>
+  </p:cSld>
+  <p:clrMapOvr>
+    <a:masterClrMapping/>
+  </p:clrMapOvr>
+</p:sld>
+</file>
+
+<file path=ppt/slides/slide15.xml><?xml version="1.0" encoding="utf-8"?>
+<p:sld xmlns:a="http://schemas.openxmlformats.org/drawingml/2006/main" xmlns:r="http://schemas.openxmlformats.org/officeDocument/2006/relationships" xmlns:p="http://schemas.openxmlformats.org/presentationml/2006/main">
+  <p:cSld>
+    <p:spTree>
+      <p:nvGrpSpPr>
+        <p:cNvPr id="1" name=""/>
+        <p:cNvGrpSpPr/>
+        <p:nvPr/>
+      </p:nvGrpSpPr>
+      <p:grpSpPr>
+        <a:xfrm>
+          <a:off x="0" y="0"/>
+          <a:ext cx="0" cy="0"/>
+          <a:chOff x="0" y="0"/>
+          <a:chExt cx="0" cy="0"/>
+        </a:xfrm>
+      </p:grpSpPr>
+      <p:sp>
+        <p:nvSpPr>
+          <p:cNvPr id="2" name="Title 1">
+            <a:extLst>
+              <a:ext uri="{FF2B5EF4-FFF2-40B4-BE49-F238E27FC236}">
+                <a16:creationId xmlns:a16="http://schemas.microsoft.com/office/drawing/2014/main" id="{94E39D3F-2E04-C648-BB26-76F487E551B3}"/>
+              </a:ext>
+            </a:extLst>
+          </p:cNvPr>
+          <p:cNvSpPr>
+            <a:spLocks noGrp="1"/>
+          </p:cNvSpPr>
+          <p:nvPr>
+            <p:ph type="title"/>
+          </p:nvPr>
+        </p:nvSpPr>
+        <p:spPr/>
+        <p:txBody>
+          <a:bodyPr/>
+          <a:lstStyle/>
+          <a:p>
+            <a:r>
+              <a:rPr lang="en-US" dirty="0"/>
+              <a:t>LABELS in GO</a:t>
+            </a:r>
+          </a:p>
+        </p:txBody>
+      </p:sp>
+      <p:sp>
+        <p:nvSpPr>
+          <p:cNvPr id="3" name="Text Placeholder 2">
+            <a:extLst>
+              <a:ext uri="{FF2B5EF4-FFF2-40B4-BE49-F238E27FC236}">
+                <a16:creationId xmlns:a16="http://schemas.microsoft.com/office/drawing/2014/main" id="{7F73CF8F-07A6-8240-9D0E-40CA9F4F62D4}"/>
+              </a:ext>
+            </a:extLst>
+          </p:cNvPr>
+          <p:cNvSpPr>
+            <a:spLocks noGrp="1"/>
+          </p:cNvSpPr>
+          <p:nvPr>
+            <p:ph type="body" idx="1"/>
+          </p:nvPr>
+        </p:nvSpPr>
+        <p:spPr>
+          <a:xfrm>
+            <a:off x="76200" y="1371600"/>
+            <a:ext cx="8991600" cy="5029199"/>
+          </a:xfrm>
+        </p:spPr>
+        <p:txBody>
+          <a:bodyPr/>
+          <a:lstStyle/>
+          <a:p>
+            <a:r>
+              <a:rPr lang="en-US" dirty="0"/>
+              <a:t> Go can also be used with Labels- which come in handy for defining sections of code that you want to call out separately.</a:t>
+            </a:r>
+          </a:p>
+          <a:p>
+            <a:r>
+              <a:rPr lang="en-US" dirty="0"/>
+              <a:t> You can use labels with </a:t>
+            </a:r>
+            <a:r>
+              <a:rPr lang="en-US" b="1" dirty="0"/>
+              <a:t>continue</a:t>
+            </a:r>
+            <a:r>
+              <a:rPr lang="en-US" dirty="0"/>
+              <a:t> or </a:t>
+            </a:r>
+            <a:r>
+              <a:rPr lang="en-US" b="1" dirty="0"/>
+              <a:t>break</a:t>
+            </a:r>
+            <a:r>
+              <a:rPr lang="en-US" dirty="0"/>
+              <a:t> statements to mark where they should go. </a:t>
+            </a:r>
+          </a:p>
+          <a:p>
+            <a:r>
+              <a:rPr lang="en-US" dirty="0"/>
+              <a:t> Used rarely but it’s a nice way to make your code readable:</a:t>
+            </a:r>
+          </a:p>
+          <a:p>
+            <a:pPr marL="177800" indent="0">
+              <a:buNone/>
+            </a:pPr>
+            <a:r>
+              <a:rPr lang="en-US" dirty="0">
+                <a:highlight>
+                  <a:srgbClr val="FFFF00"/>
+                </a:highlight>
+                <a:latin typeface="American Typewriter" panose="02090604020004020304" pitchFamily="18" charset="77"/>
+              </a:rPr>
+              <a:t>	Label:</a:t>
+            </a:r>
+          </a:p>
+          <a:p>
+            <a:pPr marL="177800" indent="0">
+              <a:buNone/>
+            </a:pPr>
+            <a:r>
+              <a:rPr lang="en-US" dirty="0">
+                <a:highlight>
+                  <a:srgbClr val="FFFF00"/>
+                </a:highlight>
+                <a:latin typeface="American Typewriter" panose="02090604020004020304" pitchFamily="18" charset="77"/>
+              </a:rPr>
+              <a:t>		for _, x in range </a:t>
+            </a:r>
+            <a:r>
+              <a:rPr lang="en-US" dirty="0" err="1">
+                <a:highlight>
+                  <a:srgbClr val="FFFF00"/>
+                </a:highlight>
+                <a:latin typeface="American Typewriter" panose="02090604020004020304" pitchFamily="18" charset="77"/>
+              </a:rPr>
+              <a:t>someArray</a:t>
+            </a:r>
+            <a:r>
+              <a:rPr lang="en-US" dirty="0">
+                <a:highlight>
+                  <a:srgbClr val="FFFF00"/>
+                </a:highlight>
+                <a:latin typeface="American Typewriter" panose="02090604020004020304" pitchFamily="18" charset="77"/>
+              </a:rPr>
+              <a:t> {</a:t>
+            </a:r>
+          </a:p>
+          <a:p>
+            <a:pPr marL="177800" indent="0">
+              <a:buNone/>
+            </a:pPr>
+            <a:r>
+              <a:rPr lang="en-US" dirty="0">
+                <a:highlight>
+                  <a:srgbClr val="FFFF00"/>
+                </a:highlight>
+                <a:latin typeface="American Typewriter" panose="02090604020004020304" pitchFamily="18" charset="77"/>
+              </a:rPr>
+              <a:t>			continue Label</a:t>
+            </a:r>
+          </a:p>
+          <a:p>
+            <a:pPr marL="177800" indent="0">
+              <a:buNone/>
+            </a:pPr>
+            <a:r>
+              <a:rPr lang="en-US" dirty="0">
+                <a:highlight>
+                  <a:srgbClr val="FFFF00"/>
+                </a:highlight>
+                <a:latin typeface="American Typewriter" panose="02090604020004020304" pitchFamily="18" charset="77"/>
+              </a:rPr>
+              <a:t>}</a:t>
+            </a:r>
+          </a:p>
+        </p:txBody>
+      </p:sp>
+      <p:pic>
+        <p:nvPicPr>
+          <p:cNvPr id="11266" name="Picture 2" descr="Image result for go gopher">
+            <a:extLst>
+              <a:ext uri="{FF2B5EF4-FFF2-40B4-BE49-F238E27FC236}">
+                <a16:creationId xmlns:a16="http://schemas.microsoft.com/office/drawing/2014/main" id="{F2E60B31-20D4-264F-8D93-EC3633CF8189}"/>
+              </a:ext>
+            </a:extLst>
+          </p:cNvPr>
+          <p:cNvPicPr>
+            <a:picLocks noChangeAspect="1" noChangeArrowheads="1"/>
+          </p:cNvPicPr>
+          <p:nvPr/>
+        </p:nvPicPr>
+        <p:blipFill>
+          <a:blip r:embed="rId2">
+            <a:extLst>
+              <a:ext uri="{28A0092B-C50C-407E-A947-70E740481C1C}">
+                <a14:useLocalDpi xmlns:a14="http://schemas.microsoft.com/office/drawing/2010/main" val="0"/>
+              </a:ext>
+            </a:extLst>
+          </a:blip>
+          <a:srcRect/>
+          <a:stretch>
+            <a:fillRect/>
+          </a:stretch>
+        </p:blipFill>
+        <p:spPr bwMode="auto">
+          <a:xfrm>
+            <a:off x="7028272" y="4496585"/>
+            <a:ext cx="1904213" cy="1904213"/>
+          </a:xfrm>
+          <a:prstGeom prst="rect">
+            <a:avLst/>
+          </a:prstGeom>
+          <a:noFill/>
+          <a:extLst>
+            <a:ext uri="{909E8E84-426E-40DD-AFC4-6F175D3DCCD1}">
+              <a14:hiddenFill xmlns:a14="http://schemas.microsoft.com/office/drawing/2010/main">
+                <a:solidFill>
+                  <a:srgbClr val="FFFFFF"/>
+                </a:solidFill>
+              </a14:hiddenFill>
+            </a:ext>
+          </a:extLst>
+        </p:spPr>
+      </p:pic>
+    </p:spTree>
+    <p:extLst>
+      <p:ext uri="{BB962C8B-B14F-4D97-AF65-F5344CB8AC3E}">
+        <p14:creationId xmlns:p14="http://schemas.microsoft.com/office/powerpoint/2010/main" val="3590008243"/>
+      </p:ext>
+    </p:extLst>
+  </p:cSld>
+  <p:clrMapOvr>
+    <a:masterClrMapping/>
+  </p:clrMapOvr>
+</p:sld>
+</file>
+
+<file path=ppt/slides/slide16.xml><?xml version="1.0" encoding="utf-8"?>
+<p:sld xmlns:a="http://schemas.openxmlformats.org/drawingml/2006/main" xmlns:r="http://schemas.openxmlformats.org/officeDocument/2006/relationships" xmlns:p="http://schemas.openxmlformats.org/presentationml/2006/main">
+  <p:cSld>
+    <p:spTree>
+      <p:nvGrpSpPr>
+        <p:cNvPr id="1" name=""/>
+        <p:cNvGrpSpPr/>
+        <p:nvPr/>
+      </p:nvGrpSpPr>
+      <p:grpSpPr>
+        <a:xfrm>
+          <a:off x="0" y="0"/>
+          <a:ext cx="0" cy="0"/>
+          <a:chOff x="0" y="0"/>
+          <a:chExt cx="0" cy="0"/>
+        </a:xfrm>
+      </p:grpSpPr>
+      <p:sp>
+        <p:nvSpPr>
+          <p:cNvPr id="2" name="Title 1">
+            <a:extLst>
+              <a:ext uri="{FF2B5EF4-FFF2-40B4-BE49-F238E27FC236}">
+                <a16:creationId xmlns:a16="http://schemas.microsoft.com/office/drawing/2014/main" id="{9ECE4C5A-1A5C-CF48-AB02-A3D0D586220C}"/>
+              </a:ext>
+            </a:extLst>
+          </p:cNvPr>
+          <p:cNvSpPr>
+            <a:spLocks noGrp="1"/>
+          </p:cNvSpPr>
+          <p:nvPr>
+            <p:ph type="title"/>
+          </p:nvPr>
+        </p:nvSpPr>
+        <p:spPr/>
+        <p:txBody>
+          <a:bodyPr/>
+          <a:lstStyle/>
+          <a:p>
+            <a:r>
+              <a:rPr lang="en-US" dirty="0"/>
+              <a:t>GOTO- brought to you by Satan</a:t>
+            </a:r>
+          </a:p>
+        </p:txBody>
+      </p:sp>
+      <p:sp>
+        <p:nvSpPr>
+          <p:cNvPr id="3" name="Text Placeholder 2">
+            <a:extLst>
+              <a:ext uri="{FF2B5EF4-FFF2-40B4-BE49-F238E27FC236}">
+                <a16:creationId xmlns:a16="http://schemas.microsoft.com/office/drawing/2014/main" id="{00FB0F01-6110-4647-A02A-305927E207E9}"/>
+              </a:ext>
+            </a:extLst>
+          </p:cNvPr>
+          <p:cNvSpPr>
+            <a:spLocks noGrp="1"/>
+          </p:cNvSpPr>
+          <p:nvPr>
+            <p:ph type="body" idx="1"/>
+          </p:nvPr>
+        </p:nvSpPr>
+        <p:spPr/>
+        <p:txBody>
+          <a:bodyPr/>
+          <a:lstStyle/>
+          <a:p>
+            <a:r>
+              <a:rPr lang="en-US" dirty="0"/>
+              <a:t> Now- </a:t>
+            </a:r>
+            <a:r>
+              <a:rPr lang="en-US" b="1" dirty="0" err="1"/>
+              <a:t>goto</a:t>
+            </a:r>
+            <a:r>
+              <a:rPr lang="en-US" dirty="0"/>
+              <a:t> has a bad reputation- mainly because it can create occluded and ugly code if misused. </a:t>
+            </a:r>
+          </a:p>
+          <a:p>
+            <a:r>
+              <a:rPr lang="en-US" dirty="0"/>
+              <a:t>If we’re going to learn it in GO you have to swear on bibles that if you use this methodology you </a:t>
+            </a:r>
+            <a:r>
+              <a:rPr lang="en-US" b="1" dirty="0"/>
+              <a:t>use it carefully</a:t>
+            </a:r>
+            <a:r>
+              <a:rPr lang="en-US" dirty="0"/>
+              <a:t>. </a:t>
+            </a:r>
+          </a:p>
+          <a:p>
+            <a:r>
+              <a:rPr lang="en-US" b="1" i="1" dirty="0"/>
+              <a:t>IT FREQUENTLY LEADS TO UNREADABLE, CRAPPY CODE if mishandled!!</a:t>
+            </a:r>
+          </a:p>
+        </p:txBody>
+      </p:sp>
+      <p:pic>
+        <p:nvPicPr>
+          <p:cNvPr id="9218" name="Picture 2" descr="Image result for go gopher">
+            <a:extLst>
+              <a:ext uri="{FF2B5EF4-FFF2-40B4-BE49-F238E27FC236}">
+                <a16:creationId xmlns:a16="http://schemas.microsoft.com/office/drawing/2014/main" id="{030B0B9B-9236-1340-8203-B27515D798BB}"/>
+              </a:ext>
+            </a:extLst>
+          </p:cNvPr>
+          <p:cNvPicPr>
+            <a:picLocks noChangeAspect="1" noChangeArrowheads="1"/>
+          </p:cNvPicPr>
+          <p:nvPr/>
+        </p:nvPicPr>
+        <p:blipFill>
+          <a:blip r:embed="rId2">
+            <a:extLst>
+              <a:ext uri="{28A0092B-C50C-407E-A947-70E740481C1C}">
+                <a14:useLocalDpi xmlns:a14="http://schemas.microsoft.com/office/drawing/2010/main" val="0"/>
+              </a:ext>
+            </a:extLst>
+          </a:blip>
+          <a:srcRect/>
+          <a:stretch>
+            <a:fillRect/>
+          </a:stretch>
+        </p:blipFill>
+        <p:spPr bwMode="auto">
+          <a:xfrm>
+            <a:off x="3816865" y="4703975"/>
+            <a:ext cx="2134851" cy="1811124"/>
+          </a:xfrm>
+          <a:prstGeom prst="rect">
+            <a:avLst/>
+          </a:prstGeom>
+          <a:noFill/>
+          <a:extLst>
+            <a:ext uri="{909E8E84-426E-40DD-AFC4-6F175D3DCCD1}">
+              <a14:hiddenFill xmlns:a14="http://schemas.microsoft.com/office/drawing/2010/main">
+                <a:solidFill>
+                  <a:srgbClr val="FFFFFF"/>
+                </a:solidFill>
+              </a14:hiddenFill>
+            </a:ext>
+          </a:extLst>
+        </p:spPr>
+      </p:pic>
+    </p:spTree>
+    <p:extLst>
+      <p:ext uri="{BB962C8B-B14F-4D97-AF65-F5344CB8AC3E}">
+        <p14:creationId xmlns:p14="http://schemas.microsoft.com/office/powerpoint/2010/main" val="3697914341"/>
+      </p:ext>
+    </p:extLst>
+  </p:cSld>
+  <p:clrMapOvr>
+    <a:masterClrMapping/>
+  </p:clrMapOvr>
+</p:sld>
+</file>
+
+<file path=ppt/slides/slide17.xml><?xml version="1.0" encoding="utf-8"?>
+<p:sld xmlns:a="http://schemas.openxmlformats.org/drawingml/2006/main" xmlns:r="http://schemas.openxmlformats.org/officeDocument/2006/relationships" xmlns:p="http://schemas.openxmlformats.org/presentationml/2006/main">
+  <p:cSld>
+    <p:spTree>
+      <p:nvGrpSpPr>
+        <p:cNvPr id="1" name=""/>
+        <p:cNvGrpSpPr/>
+        <p:nvPr/>
+      </p:nvGrpSpPr>
+      <p:grpSpPr>
+        <a:xfrm>
+          <a:off x="0" y="0"/>
+          <a:ext cx="0" cy="0"/>
+          <a:chOff x="0" y="0"/>
+          <a:chExt cx="0" cy="0"/>
+        </a:xfrm>
+      </p:grpSpPr>
+      <p:sp>
+        <p:nvSpPr>
+          <p:cNvPr id="2" name="Title 1">
+            <a:extLst>
+              <a:ext uri="{FF2B5EF4-FFF2-40B4-BE49-F238E27FC236}">
+                <a16:creationId xmlns:a16="http://schemas.microsoft.com/office/drawing/2014/main" id="{09BC48CD-0196-144F-A26C-747F93283448}"/>
+              </a:ext>
+            </a:extLst>
+          </p:cNvPr>
+          <p:cNvSpPr>
+            <a:spLocks noGrp="1"/>
+          </p:cNvSpPr>
+          <p:nvPr>
+            <p:ph type="title"/>
+          </p:nvPr>
+        </p:nvSpPr>
+        <p:spPr/>
+        <p:txBody>
+          <a:bodyPr/>
+          <a:lstStyle/>
+          <a:p>
+            <a:r>
+              <a:rPr lang="en-US" dirty="0" err="1"/>
+              <a:t>Goto</a:t>
+            </a:r>
+            <a:r>
+              <a:rPr lang="en-US" dirty="0"/>
+              <a:t> In GO</a:t>
+            </a:r>
+          </a:p>
+        </p:txBody>
+      </p:sp>
+      <p:sp>
+        <p:nvSpPr>
+          <p:cNvPr id="3" name="Text Placeholder 2">
+            <a:extLst>
+              <a:ext uri="{FF2B5EF4-FFF2-40B4-BE49-F238E27FC236}">
+                <a16:creationId xmlns:a16="http://schemas.microsoft.com/office/drawing/2014/main" id="{F019E7D7-5E37-A141-B6BE-526E192C3C2E}"/>
+              </a:ext>
+            </a:extLst>
+          </p:cNvPr>
+          <p:cNvSpPr>
+            <a:spLocks noGrp="1"/>
+          </p:cNvSpPr>
+          <p:nvPr>
+            <p:ph type="body" idx="1"/>
+          </p:nvPr>
+        </p:nvSpPr>
+        <p:spPr/>
+        <p:txBody>
+          <a:bodyPr/>
+          <a:lstStyle/>
+          <a:p>
+            <a:r>
+              <a:rPr lang="en-US" dirty="0"/>
+              <a:t> Basically with GOTO- you can use a LABEL identifier and then use the </a:t>
+            </a:r>
+            <a:r>
+              <a:rPr lang="en-US" b="1" dirty="0" err="1"/>
+              <a:t>goto</a:t>
+            </a:r>
+            <a:r>
+              <a:rPr lang="en-US" dirty="0"/>
+              <a:t> keyword to go to that label. </a:t>
+            </a:r>
+          </a:p>
+          <a:p>
+            <a:r>
+              <a:rPr lang="en-US" dirty="0"/>
+              <a:t>Again- you can probably see where this can lead to </a:t>
+            </a:r>
+            <a:r>
+              <a:rPr lang="en-US" b="1" dirty="0"/>
+              <a:t>very bad things</a:t>
+            </a:r>
+            <a:r>
+              <a:rPr lang="en-US" dirty="0"/>
+              <a:t> if it is misused- so use sparingly and carefully (switch statements are a good place)</a:t>
+            </a:r>
+          </a:p>
+        </p:txBody>
+      </p:sp>
+      <p:pic>
+        <p:nvPicPr>
+          <p:cNvPr id="12290" name="Picture 2" descr="Image result for go gopher">
+            <a:extLst>
+              <a:ext uri="{FF2B5EF4-FFF2-40B4-BE49-F238E27FC236}">
+                <a16:creationId xmlns:a16="http://schemas.microsoft.com/office/drawing/2014/main" id="{A9F4228F-D721-1F43-93B4-B2B763BA21AC}"/>
+              </a:ext>
+            </a:extLst>
+          </p:cNvPr>
+          <p:cNvPicPr>
+            <a:picLocks noChangeAspect="1" noChangeArrowheads="1"/>
+          </p:cNvPicPr>
+          <p:nvPr/>
+        </p:nvPicPr>
+        <p:blipFill>
+          <a:blip r:embed="rId2">
+            <a:extLst>
+              <a:ext uri="{28A0092B-C50C-407E-A947-70E740481C1C}">
+                <a14:useLocalDpi xmlns:a14="http://schemas.microsoft.com/office/drawing/2010/main" val="0"/>
+              </a:ext>
+            </a:extLst>
+          </a:blip>
+          <a:srcRect/>
+          <a:stretch>
+            <a:fillRect/>
+          </a:stretch>
+        </p:blipFill>
+        <p:spPr bwMode="auto">
+          <a:xfrm>
+            <a:off x="2388583" y="4333384"/>
+            <a:ext cx="4178300" cy="1943100"/>
+          </a:xfrm>
+          <a:prstGeom prst="rect">
+            <a:avLst/>
+          </a:prstGeom>
+          <a:noFill/>
+          <a:extLst>
+            <a:ext uri="{909E8E84-426E-40DD-AFC4-6F175D3DCCD1}">
+              <a14:hiddenFill xmlns:a14="http://schemas.microsoft.com/office/drawing/2010/main">
+                <a:solidFill>
+                  <a:srgbClr val="FFFFFF"/>
+                </a:solidFill>
+              </a14:hiddenFill>
+            </a:ext>
+          </a:extLst>
+        </p:spPr>
+      </p:pic>
+    </p:spTree>
+    <p:extLst>
+      <p:ext uri="{BB962C8B-B14F-4D97-AF65-F5344CB8AC3E}">
+        <p14:creationId xmlns:p14="http://schemas.microsoft.com/office/powerpoint/2010/main" val="1612344543"/>
+      </p:ext>
+    </p:extLst>
+  </p:cSld>
+  <p:clrMapOvr>
+    <a:masterClrMapping/>
+  </p:clrMapOvr>
+</p:sld>
+</file>
+
+<file path=ppt/slides/slide18.xml><?xml version="1.0" encoding="utf-8"?>
+<p:sld xmlns:a="http://schemas.openxmlformats.org/drawingml/2006/main" xmlns:r="http://schemas.openxmlformats.org/officeDocument/2006/relationships" xmlns:p="http://schemas.openxmlformats.org/presentationml/2006/main">
+  <p:cSld>
+    <p:spTree>
+      <p:nvGrpSpPr>
+        <p:cNvPr id="1" name=""/>
+        <p:cNvGrpSpPr/>
+        <p:nvPr/>
+      </p:nvGrpSpPr>
+      <p:grpSpPr>
+        <a:xfrm>
+          <a:off x="0" y="0"/>
+          <a:ext cx="0" cy="0"/>
+          <a:chOff x="0" y="0"/>
+          <a:chExt cx="0" cy="0"/>
+        </a:xfrm>
+      </p:grpSpPr>
+      <p:sp>
+        <p:nvSpPr>
+          <p:cNvPr id="2" name="Title 1">
+            <a:extLst>
+              <a:ext uri="{FF2B5EF4-FFF2-40B4-BE49-F238E27FC236}">
                 <a16:creationId xmlns:a16="http://schemas.microsoft.com/office/drawing/2014/main" id="{D32DADF6-0DEC-D24E-A9CD-A602F2EAF598}"/>
               </a:ext>
             </a:extLst>
@@ -8284,7 +9037,10 @@
           <a:bodyPr/>
           <a:lstStyle/>
           <a:p>
-            <a:endParaRPr lang="en-US"/>
+            <a:r>
+              <a:rPr lang="en-US" dirty="0"/>
+              <a:t>Pointers and References</a:t>
+            </a:r>
           </a:p>
         </p:txBody>
       </p:sp>
@@ -8309,10 +9065,100 @@
           <a:bodyPr/>
           <a:lstStyle/>
           <a:p>
-            <a:endParaRPr lang="en-US"/>
+            <a:r>
+              <a:rPr lang="en-US" dirty="0"/>
+              <a:t> GO uses pointers- which hold the memory address of a value.</a:t>
+            </a:r>
+          </a:p>
+          <a:p>
+            <a:r>
+              <a:rPr lang="en-US" dirty="0"/>
+              <a:t>The symbol for a pointer is </a:t>
+            </a:r>
+            <a:r>
+              <a:rPr lang="en-US" b="1" dirty="0">
+                <a:highlight>
+                  <a:srgbClr val="FFFF00"/>
+                </a:highlight>
+              </a:rPr>
+              <a:t>* </a:t>
+            </a:r>
+          </a:p>
+          <a:p>
+            <a:r>
+              <a:rPr lang="en-US" dirty="0"/>
+              <a:t>The</a:t>
+            </a:r>
+            <a:r>
+              <a:rPr lang="en-US" b="1" dirty="0">
+                <a:highlight>
+                  <a:srgbClr val="FFFF00"/>
+                </a:highlight>
+              </a:rPr>
+              <a:t> </a:t>
+            </a:r>
+            <a:r>
+              <a:rPr lang="en-US" dirty="0">
+                <a:highlight>
+                  <a:srgbClr val="FFFF00"/>
+                </a:highlight>
+              </a:rPr>
+              <a:t>&amp; </a:t>
+            </a:r>
+            <a:r>
+              <a:rPr lang="en-US" dirty="0"/>
+              <a:t>operator generates a pointer to its operand</a:t>
+            </a:r>
           </a:p>
         </p:txBody>
       </p:sp>
+      <p:pic>
+        <p:nvPicPr>
+          <p:cNvPr id="1026" name="Picture 2" descr="Image result for go gopher">
+            <a:extLst>
+              <a:ext uri="{FF2B5EF4-FFF2-40B4-BE49-F238E27FC236}">
+                <a16:creationId xmlns:a16="http://schemas.microsoft.com/office/drawing/2014/main" id="{AB7A2DC7-11E5-EB4B-A1E6-CE6F2812BF0D}"/>
+              </a:ext>
+            </a:extLst>
+          </p:cNvPr>
+          <p:cNvPicPr>
+            <a:picLocks noChangeAspect="1" noChangeArrowheads="1"/>
+          </p:cNvPicPr>
+          <p:nvPr/>
+        </p:nvPicPr>
+        <p:blipFill>
+          <a:blip r:embed="rId2">
+            <a:extLst>
+              <a:ext uri="{28A0092B-C50C-407E-A947-70E740481C1C}">
+                <a14:useLocalDpi xmlns:a14="http://schemas.microsoft.com/office/drawing/2010/main" val="0"/>
+              </a:ext>
+            </a:extLst>
+          </a:blip>
+          <a:srcRect/>
+          <a:stretch>
+            <a:fillRect/>
+          </a:stretch>
+        </p:blipFill>
+        <p:spPr bwMode="auto">
+          <a:xfrm>
+            <a:off x="2615349" y="3429000"/>
+            <a:ext cx="2857500" cy="2857500"/>
+          </a:xfrm>
+          <a:prstGeom prst="rect">
+            <a:avLst/>
+          </a:prstGeom>
+          <a:noFill/>
+          <a:extLst>
+            <a:ext uri="{909E8E84-426E-40DD-AFC4-6F175D3DCCD1}">
+              <a14:hiddenFill xmlns:a14="http://schemas.microsoft.com/office/drawing/2010/main">
+                <a:solidFill>
+                  <a:srgbClr val="FFFFFF"/>
+                </a:solidFill>
+              </a14:hiddenFill>
+            </a:ext>
+          </a:extLst>
+        </p:spPr>
+      </p:pic>
     </p:spTree>
     <p:extLst>
       <p:ext uri="{BB962C8B-B14F-4D97-AF65-F5344CB8AC3E}">
@@ -8326,12 +9172,12 @@
 </p:sld>
 </file>
 
-<file path=ppt/slides/slide15.xml><?xml version="1.0" encoding="utf-8"?>
+<file path=ppt/slides/slide19.xml><?xml version="1.0" encoding="utf-8"?>
 <p:sld xmlns:a="http://schemas.openxmlformats.org/drawingml/2006/main" xmlns:r="http://schemas.openxmlformats.org/officeDocument/2006/relationships" xmlns:p="http://schemas.openxmlformats.org/presentationml/2006/main">
   <p:cSld>
     <p:spTree>
       <p:nvGrpSpPr>
-        <p:cNvPr id="1" name="Shape 113"/>
+        <p:cNvPr id="1" name=""/>
         <p:cNvGrpSpPr/>
         <p:nvPr/>
       </p:nvGrpSpPr>
@@ -8345,202 +9191,94 @@
       </p:grpSpPr>
       <p:sp>
         <p:nvSpPr>
-          <p:cNvPr id="114" name="Shape 114"/>
-          <p:cNvSpPr txBox="1">
+          <p:cNvPr id="2" name="Title 1">
+            <a:extLst>
+              <a:ext uri="{FF2B5EF4-FFF2-40B4-BE49-F238E27FC236}">
+                <a16:creationId xmlns:a16="http://schemas.microsoft.com/office/drawing/2014/main" id="{4695E743-D7EB-0640-B7FA-2E514C0654BD}"/>
+              </a:ext>
+            </a:extLst>
+          </p:cNvPr>
+          <p:cNvSpPr>
             <a:spLocks noGrp="1"/>
           </p:cNvSpPr>
           <p:nvPr>
             <p:ph type="title"/>
           </p:nvPr>
         </p:nvSpPr>
-        <p:spPr>
-          <a:xfrm>
-            <a:off x="76200" y="152400"/>
-            <a:ext cx="8991600" cy="671400"/>
-          </a:xfrm>
-          <a:prstGeom prst="rect">
-            <a:avLst/>
-          </a:prstGeom>
-        </p:spPr>
+        <p:spPr/>
         <p:txBody>
-          <a:bodyPr lIns="91425" tIns="91425" rIns="91425" bIns="91425" anchor="ctr" anchorCtr="0">
-            <a:noAutofit/>
-          </a:bodyPr>
+          <a:bodyPr/>
           <a:lstStyle/>
           <a:p>
-            <a:pPr lvl="0">
-              <a:spcBef>
-                <a:spcPts val="0"/>
-              </a:spcBef>
-              <a:buNone/>
-            </a:pPr>
             <a:r>
               <a:rPr lang="en-US" dirty="0"/>
-              <a:t>DATA TYPES!!</a:t>
-            </a:r>
-            <a:endParaRPr dirty="0"/>
+              <a:t>Pointers in GO- practically</a:t>
+            </a:r>
           </a:p>
         </p:txBody>
       </p:sp>
       <p:sp>
         <p:nvSpPr>
-          <p:cNvPr id="115" name="Shape 115"/>
-          <p:cNvSpPr txBox="1">
+          <p:cNvPr id="3" name="Text Placeholder 2">
+            <a:extLst>
+              <a:ext uri="{FF2B5EF4-FFF2-40B4-BE49-F238E27FC236}">
+                <a16:creationId xmlns:a16="http://schemas.microsoft.com/office/drawing/2014/main" id="{88B67FA4-A6C5-0D4E-80F6-B08A1C2947E9}"/>
+              </a:ext>
+            </a:extLst>
+          </p:cNvPr>
+          <p:cNvSpPr>
             <a:spLocks noGrp="1"/>
           </p:cNvSpPr>
           <p:nvPr>
             <p:ph type="body" idx="1"/>
           </p:nvPr>
         </p:nvSpPr>
-        <p:spPr>
-          <a:xfrm>
-            <a:off x="76200" y="1240810"/>
-            <a:ext cx="8991600" cy="4070929"/>
-          </a:xfrm>
-          <a:prstGeom prst="rect">
-            <a:avLst/>
-          </a:prstGeom>
-        </p:spPr>
+        <p:spPr/>
         <p:txBody>
-          <a:bodyPr lIns="91425" tIns="91425" rIns="91425" bIns="91425" anchor="t" anchorCtr="0">
-            <a:noAutofit/>
-          </a:bodyPr>
+          <a:bodyPr/>
           <a:lstStyle/>
           <a:p>
-            <a:pPr lvl="2">
-              <a:spcBef>
-                <a:spcPts val="0"/>
-              </a:spcBef>
-            </a:pPr>
-            <a:r>
-              <a:rPr lang="en-US" dirty="0">
-                <a:solidFill>
-                  <a:schemeClr val="tx1"/>
-                </a:solidFill>
-                <a:latin typeface="+mn-lt"/>
-              </a:rPr>
-              <a:t>AND WE’RE DONE!</a:t>
-            </a:r>
-          </a:p>
-          <a:p>
-            <a:pPr lvl="2">
-              <a:spcBef>
-                <a:spcPts val="0"/>
-              </a:spcBef>
-            </a:pPr>
-            <a:r>
-              <a:rPr lang="en-US" sz="3200" dirty="0">
-                <a:solidFill>
-                  <a:schemeClr val="tx1"/>
-                </a:solidFill>
-                <a:latin typeface="+mn-lt"/>
-              </a:rPr>
-              <a:t>ANY QUESTIONS?!?</a:t>
-            </a:r>
-          </a:p>
-          <a:p>
-            <a:pPr lvl="3">
-              <a:spcBef>
-                <a:spcPts val="0"/>
-              </a:spcBef>
-            </a:pPr>
-            <a:endParaRPr lang="en-US" dirty="0">
-              <a:solidFill>
-                <a:schemeClr val="tx1"/>
-              </a:solidFill>
-              <a:latin typeface="+mn-lt"/>
-            </a:endParaRPr>
-          </a:p>
-          <a:p>
-            <a:pPr lvl="2">
-              <a:spcBef>
-                <a:spcPts val="0"/>
-              </a:spcBef>
-            </a:pPr>
-            <a:endParaRPr lang="en-US" dirty="0">
-              <a:solidFill>
-                <a:schemeClr val="tx1"/>
-              </a:solidFill>
-            </a:endParaRPr>
-          </a:p>
-          <a:p>
-            <a:pPr marL="1485900" lvl="3" indent="0">
-              <a:spcBef>
-                <a:spcPts val="0"/>
-              </a:spcBef>
-              <a:buNone/>
-            </a:pPr>
-            <a:endParaRPr lang="en-US" dirty="0">
-              <a:solidFill>
-                <a:schemeClr val="tx1"/>
-              </a:solidFill>
-              <a:latin typeface="+mn-lt"/>
-            </a:endParaRPr>
-          </a:p>
-          <a:p>
-            <a:pPr marL="1485900" lvl="3" indent="0">
-              <a:spcBef>
-                <a:spcPts val="0"/>
-              </a:spcBef>
-              <a:buNone/>
-            </a:pPr>
-            <a:endParaRPr lang="en-US" dirty="0">
-              <a:solidFill>
-                <a:schemeClr val="tx1"/>
-              </a:solidFill>
-              <a:latin typeface="+mn-lt"/>
-            </a:endParaRPr>
-          </a:p>
-          <a:p>
-            <a:pPr marL="1485900" lvl="3" indent="0">
-              <a:spcBef>
-                <a:spcPts val="0"/>
-              </a:spcBef>
-              <a:buNone/>
-            </a:pPr>
-            <a:endParaRPr lang="en-US" dirty="0">
-              <a:solidFill>
-                <a:schemeClr val="tx1"/>
-              </a:solidFill>
-              <a:latin typeface="+mn-lt"/>
-            </a:endParaRPr>
-          </a:p>
-          <a:p>
-            <a:pPr marL="1485900" lvl="3" indent="0">
-              <a:spcBef>
-                <a:spcPts val="0"/>
-              </a:spcBef>
-              <a:buNone/>
-            </a:pPr>
-            <a:endParaRPr lang="en-US" dirty="0">
-              <a:solidFill>
-                <a:schemeClr val="tx1"/>
-              </a:solidFill>
-              <a:latin typeface="+mn-lt"/>
-            </a:endParaRPr>
-          </a:p>
-          <a:p>
-            <a:pPr marL="1485900" lvl="3" indent="0">
-              <a:spcBef>
-                <a:spcPts val="0"/>
-              </a:spcBef>
-              <a:buNone/>
-            </a:pPr>
-            <a:endParaRPr lang="en-US" dirty="0">
-              <a:solidFill>
-                <a:schemeClr val="tx1"/>
-              </a:solidFill>
-              <a:latin typeface="+mn-lt"/>
-            </a:endParaRPr>
+            <a:r>
+              <a:rPr lang="en-US" dirty="0"/>
+              <a:t> So it’s important to remember that fundamentally what a pointer does is </a:t>
+            </a:r>
+            <a:r>
+              <a:rPr lang="en-US" i="1" dirty="0"/>
+              <a:t>point to the memory address of a variable</a:t>
+            </a:r>
+            <a:r>
+              <a:rPr lang="en-US" dirty="0"/>
+              <a:t>. </a:t>
+            </a:r>
+          </a:p>
+          <a:p>
+            <a:r>
+              <a:rPr lang="en-US" dirty="0"/>
+              <a:t> A </a:t>
+            </a:r>
+            <a:r>
+              <a:rPr lang="en-US" b="1" dirty="0"/>
+              <a:t>variable</a:t>
+            </a:r>
+            <a:r>
+              <a:rPr lang="en-US" dirty="0"/>
+              <a:t> in any language is just a nickname for a memory location where that value is stored.</a:t>
+            </a:r>
+          </a:p>
+          <a:p>
+            <a:r>
+              <a:rPr lang="en-US" dirty="0"/>
+              <a:t>Back in the day programmers had to remember memory locations. It sucked.</a:t>
+            </a:r>
           </a:p>
         </p:txBody>
       </p:sp>
       <p:pic>
         <p:nvPicPr>
-          <p:cNvPr id="14338" name="Picture 2" descr="Image result for golang gopher, images">
+          <p:cNvPr id="2050" name="Picture 2" descr="https://dave.cheney.net/wp-content/uploads/2017/04/Untitled.png">
             <a:extLst>
               <a:ext uri="{FF2B5EF4-FFF2-40B4-BE49-F238E27FC236}">
-                <a16:creationId xmlns:a16="http://schemas.microsoft.com/office/drawing/2014/main" id="{99F98B07-359E-7D45-BFB0-9CFB89F92F9B}"/>
+                <a16:creationId xmlns:a16="http://schemas.microsoft.com/office/drawing/2014/main" id="{51FCD376-23B9-884E-9786-AE0EB06D4A8B}"/>
               </a:ext>
             </a:extLst>
           </p:cNvPr>
@@ -8550,7 +9288,7 @@
           <p:nvPr/>
         </p:nvPicPr>
         <p:blipFill>
-          <a:blip r:embed="rId3">
+          <a:blip r:embed="rId2">
             <a:extLst>
               <a:ext uri="{28A0092B-C50C-407E-A947-70E740481C1C}">
                 <a14:useLocalDpi xmlns:a14="http://schemas.microsoft.com/office/drawing/2010/main" val="0"/>
@@ -8564,8 +9302,8 @@
         </p:blipFill>
         <p:spPr bwMode="auto">
           <a:xfrm>
-            <a:off x="3075040" y="3147245"/>
-            <a:ext cx="2603500" cy="3111500"/>
+            <a:off x="1867294" y="4675155"/>
+            <a:ext cx="5212236" cy="1622489"/>
           </a:xfrm>
           <a:prstGeom prst="rect">
             <a:avLst/>
@@ -8585,7 +9323,7 @@
     </p:spTree>
     <p:extLst>
       <p:ext uri="{BB962C8B-B14F-4D97-AF65-F5344CB8AC3E}">
-        <p14:creationId xmlns:p14="http://schemas.microsoft.com/office/powerpoint/2010/main" val="3120604218"/>
+        <p14:creationId xmlns:p14="http://schemas.microsoft.com/office/powerpoint/2010/main" val="1312355527"/>
       </p:ext>
     </p:extLst>
   </p:cSld>
@@ -8714,6 +9452,2465 @@
 </p:sld>
 </file>
 
+<file path=ppt/slides/slide20.xml><?xml version="1.0" encoding="utf-8"?>
+<p:sld xmlns:a="http://schemas.openxmlformats.org/drawingml/2006/main" xmlns:r="http://schemas.openxmlformats.org/officeDocument/2006/relationships" xmlns:p="http://schemas.openxmlformats.org/presentationml/2006/main">
+  <p:cSld>
+    <p:spTree>
+      <p:nvGrpSpPr>
+        <p:cNvPr id="1" name=""/>
+        <p:cNvGrpSpPr/>
+        <p:nvPr/>
+      </p:nvGrpSpPr>
+      <p:grpSpPr>
+        <a:xfrm>
+          <a:off x="0" y="0"/>
+          <a:ext cx="0" cy="0"/>
+          <a:chOff x="0" y="0"/>
+          <a:chExt cx="0" cy="0"/>
+        </a:xfrm>
+      </p:grpSpPr>
+      <p:sp>
+        <p:nvSpPr>
+          <p:cNvPr id="2" name="Title 1">
+            <a:extLst>
+              <a:ext uri="{FF2B5EF4-FFF2-40B4-BE49-F238E27FC236}">
+                <a16:creationId xmlns:a16="http://schemas.microsoft.com/office/drawing/2014/main" id="{1110D384-D8D4-BF43-A616-931954186447}"/>
+              </a:ext>
+            </a:extLst>
+          </p:cNvPr>
+          <p:cNvSpPr>
+            <a:spLocks noGrp="1"/>
+          </p:cNvSpPr>
+          <p:nvPr>
+            <p:ph type="title"/>
+          </p:nvPr>
+        </p:nvSpPr>
+        <p:spPr/>
+        <p:txBody>
+          <a:bodyPr/>
+          <a:lstStyle/>
+          <a:p>
+            <a:r>
+              <a:rPr lang="en-US" dirty="0"/>
+              <a:t>Pointers and receivers continued</a:t>
+            </a:r>
+          </a:p>
+        </p:txBody>
+      </p:sp>
+      <p:sp>
+        <p:nvSpPr>
+          <p:cNvPr id="3" name="Text Placeholder 2">
+            <a:extLst>
+              <a:ext uri="{FF2B5EF4-FFF2-40B4-BE49-F238E27FC236}">
+                <a16:creationId xmlns:a16="http://schemas.microsoft.com/office/drawing/2014/main" id="{534E1863-606B-824D-B727-7B05E6B05328}"/>
+              </a:ext>
+            </a:extLst>
+          </p:cNvPr>
+          <p:cNvSpPr>
+            <a:spLocks noGrp="1"/>
+          </p:cNvSpPr>
+          <p:nvPr>
+            <p:ph type="body" idx="1"/>
+          </p:nvPr>
+        </p:nvSpPr>
+        <p:spPr/>
+        <p:txBody>
+          <a:bodyPr/>
+          <a:lstStyle/>
+          <a:p>
+            <a:r>
+              <a:rPr lang="en-US" dirty="0"/>
+              <a:t> So let’s take a look at a program fragment and go through how it changes based on pointers:</a:t>
+            </a:r>
+          </a:p>
+          <a:p>
+            <a:pPr marL="177800" indent="0">
+              <a:buNone/>
+            </a:pPr>
+            <a:r>
+              <a:rPr lang="en-US" dirty="0" err="1">
+                <a:highlight>
+                  <a:srgbClr val="FFFF00"/>
+                </a:highlight>
+                <a:latin typeface="American Typewriter" panose="02090604020004020304" pitchFamily="18" charset="77"/>
+              </a:rPr>
+              <a:t>func</a:t>
+            </a:r>
+            <a:r>
+              <a:rPr lang="en-US" dirty="0">
+                <a:highlight>
+                  <a:srgbClr val="FFFF00"/>
+                </a:highlight>
+                <a:latin typeface="American Typewriter" panose="02090604020004020304" pitchFamily="18" charset="77"/>
+              </a:rPr>
+              <a:t> main() { </a:t>
+            </a:r>
+          </a:p>
+          <a:p>
+            <a:pPr marL="177800" indent="0">
+              <a:buNone/>
+            </a:pPr>
+            <a:r>
+              <a:rPr lang="en-US" dirty="0">
+                <a:highlight>
+                  <a:srgbClr val="FFFF00"/>
+                </a:highlight>
+                <a:latin typeface="American Typewriter" panose="02090604020004020304" pitchFamily="18" charset="77"/>
+              </a:rPr>
+              <a:t>	a := 200 </a:t>
+            </a:r>
+          </a:p>
+          <a:p>
+            <a:pPr marL="177800" indent="0">
+              <a:buNone/>
+            </a:pPr>
+            <a:r>
+              <a:rPr lang="en-US" dirty="0">
+                <a:highlight>
+                  <a:srgbClr val="FFFF00"/>
+                </a:highlight>
+                <a:latin typeface="American Typewriter" panose="02090604020004020304" pitchFamily="18" charset="77"/>
+              </a:rPr>
+              <a:t>	b := &amp;a </a:t>
+            </a:r>
+          </a:p>
+          <a:p>
+            <a:pPr marL="177800" indent="0">
+              <a:buNone/>
+            </a:pPr>
+            <a:r>
+              <a:rPr lang="en-US" dirty="0">
+                <a:highlight>
+                  <a:srgbClr val="FFFF00"/>
+                </a:highlight>
+                <a:latin typeface="American Typewriter" panose="02090604020004020304" pitchFamily="18" charset="77"/>
+              </a:rPr>
+              <a:t>	*b++ </a:t>
+            </a:r>
+          </a:p>
+          <a:p>
+            <a:pPr marL="177800" indent="0">
+              <a:buNone/>
+            </a:pPr>
+            <a:r>
+              <a:rPr lang="en-US" dirty="0">
+                <a:highlight>
+                  <a:srgbClr val="FFFF00"/>
+                </a:highlight>
+                <a:latin typeface="American Typewriter" panose="02090604020004020304" pitchFamily="18" charset="77"/>
+              </a:rPr>
+              <a:t>	</a:t>
+            </a:r>
+            <a:r>
+              <a:rPr lang="en-US" dirty="0" err="1">
+                <a:highlight>
+                  <a:srgbClr val="FFFF00"/>
+                </a:highlight>
+                <a:latin typeface="American Typewriter" panose="02090604020004020304" pitchFamily="18" charset="77"/>
+              </a:rPr>
+              <a:t>fmt.Println</a:t>
+            </a:r>
+            <a:r>
+              <a:rPr lang="en-US" dirty="0">
+                <a:highlight>
+                  <a:srgbClr val="FFFF00"/>
+                </a:highlight>
+                <a:latin typeface="American Typewriter" panose="02090604020004020304" pitchFamily="18" charset="77"/>
+              </a:rPr>
+              <a:t>(a) </a:t>
+            </a:r>
+          </a:p>
+          <a:p>
+            <a:pPr marL="177800" indent="0">
+              <a:buNone/>
+            </a:pPr>
+            <a:r>
+              <a:rPr lang="en-US" dirty="0">
+                <a:highlight>
+                  <a:srgbClr val="FFFF00"/>
+                </a:highlight>
+                <a:latin typeface="American Typewriter" panose="02090604020004020304" pitchFamily="18" charset="77"/>
+              </a:rPr>
+              <a:t>}</a:t>
+            </a:r>
+          </a:p>
+        </p:txBody>
+      </p:sp>
+      <p:pic>
+        <p:nvPicPr>
+          <p:cNvPr id="3074" name="Picture 2" descr="https://dave.cheney.net/wp-content/uploads/2017/04/Screen-Shot-2017-04-26-at-19.30.35-300x126.png">
+            <a:extLst>
+              <a:ext uri="{FF2B5EF4-FFF2-40B4-BE49-F238E27FC236}">
+                <a16:creationId xmlns:a16="http://schemas.microsoft.com/office/drawing/2014/main" id="{7C9D3162-FF9B-DF43-BB02-56110022EFB7}"/>
+              </a:ext>
+            </a:extLst>
+          </p:cNvPr>
+          <p:cNvPicPr>
+            <a:picLocks noChangeAspect="1" noChangeArrowheads="1"/>
+          </p:cNvPicPr>
+          <p:nvPr/>
+        </p:nvPicPr>
+        <p:blipFill>
+          <a:blip r:embed="rId2">
+            <a:extLst>
+              <a:ext uri="{28A0092B-C50C-407E-A947-70E740481C1C}">
+                <a14:useLocalDpi xmlns:a14="http://schemas.microsoft.com/office/drawing/2010/main" val="0"/>
+              </a:ext>
+            </a:extLst>
+          </a:blip>
+          <a:srcRect/>
+          <a:stretch>
+            <a:fillRect/>
+          </a:stretch>
+        </p:blipFill>
+        <p:spPr bwMode="auto">
+          <a:xfrm>
+            <a:off x="4241276" y="2421510"/>
+            <a:ext cx="3810000" cy="1600200"/>
+          </a:xfrm>
+          <a:prstGeom prst="rect">
+            <a:avLst/>
+          </a:prstGeom>
+          <a:noFill/>
+          <a:extLst>
+            <a:ext uri="{909E8E84-426E-40DD-AFC4-6F175D3DCCD1}">
+              <a14:hiddenFill xmlns:a14="http://schemas.microsoft.com/office/drawing/2010/main">
+                <a:solidFill>
+                  <a:srgbClr val="FFFFFF"/>
+                </a:solidFill>
+              </a14:hiddenFill>
+            </a:ext>
+          </a:extLst>
+        </p:spPr>
+      </p:pic>
+      <p:pic>
+        <p:nvPicPr>
+          <p:cNvPr id="3076" name="Picture 4" descr="https://dave.cheney.net/wp-content/uploads/2017/04/Untitled-2-300x139.png">
+            <a:extLst>
+              <a:ext uri="{FF2B5EF4-FFF2-40B4-BE49-F238E27FC236}">
+                <a16:creationId xmlns:a16="http://schemas.microsoft.com/office/drawing/2014/main" id="{4385AD87-F370-FE44-9273-079B72F0AE84}"/>
+              </a:ext>
+            </a:extLst>
+          </p:cNvPr>
+          <p:cNvPicPr>
+            <a:picLocks noChangeAspect="1" noChangeArrowheads="1"/>
+          </p:cNvPicPr>
+          <p:nvPr/>
+        </p:nvPicPr>
+        <p:blipFill>
+          <a:blip r:embed="rId3">
+            <a:extLst>
+              <a:ext uri="{28A0092B-C50C-407E-A947-70E740481C1C}">
+                <a14:useLocalDpi xmlns:a14="http://schemas.microsoft.com/office/drawing/2010/main" val="0"/>
+              </a:ext>
+            </a:extLst>
+          </a:blip>
+          <a:srcRect/>
+          <a:stretch>
+            <a:fillRect/>
+          </a:stretch>
+        </p:blipFill>
+        <p:spPr bwMode="auto">
+          <a:xfrm>
+            <a:off x="4354398" y="4021710"/>
+            <a:ext cx="3810000" cy="1765300"/>
+          </a:xfrm>
+          <a:prstGeom prst="rect">
+            <a:avLst/>
+          </a:prstGeom>
+          <a:noFill/>
+          <a:extLst>
+            <a:ext uri="{909E8E84-426E-40DD-AFC4-6F175D3DCCD1}">
+              <a14:hiddenFill xmlns:a14="http://schemas.microsoft.com/office/drawing/2010/main">
+                <a:solidFill>
+                  <a:srgbClr val="FFFFFF"/>
+                </a:solidFill>
+              </a14:hiddenFill>
+            </a:ext>
+          </a:extLst>
+        </p:spPr>
+      </p:pic>
+    </p:spTree>
+    <p:extLst>
+      <p:ext uri="{BB962C8B-B14F-4D97-AF65-F5344CB8AC3E}">
+        <p14:creationId xmlns:p14="http://schemas.microsoft.com/office/powerpoint/2010/main" val="2778084710"/>
+      </p:ext>
+    </p:extLst>
+  </p:cSld>
+  <p:clrMapOvr>
+    <a:masterClrMapping/>
+  </p:clrMapOvr>
+</p:sld>
+</file>
+
+<file path=ppt/slides/slide21.xml><?xml version="1.0" encoding="utf-8"?>
+<p:sld xmlns:a="http://schemas.openxmlformats.org/drawingml/2006/main" xmlns:r="http://schemas.openxmlformats.org/officeDocument/2006/relationships" xmlns:p="http://schemas.openxmlformats.org/presentationml/2006/main">
+  <p:cSld>
+    <p:spTree>
+      <p:nvGrpSpPr>
+        <p:cNvPr id="1" name=""/>
+        <p:cNvGrpSpPr/>
+        <p:nvPr/>
+      </p:nvGrpSpPr>
+      <p:grpSpPr>
+        <a:xfrm>
+          <a:off x="0" y="0"/>
+          <a:ext cx="0" cy="0"/>
+          <a:chOff x="0" y="0"/>
+          <a:chExt cx="0" cy="0"/>
+        </a:xfrm>
+      </p:grpSpPr>
+      <p:sp>
+        <p:nvSpPr>
+          <p:cNvPr id="2" name="Title 1">
+            <a:extLst>
+              <a:ext uri="{FF2B5EF4-FFF2-40B4-BE49-F238E27FC236}">
+                <a16:creationId xmlns:a16="http://schemas.microsoft.com/office/drawing/2014/main" id="{D1DFDB90-4C19-E54F-9458-C3B640332919}"/>
+              </a:ext>
+            </a:extLst>
+          </p:cNvPr>
+          <p:cNvSpPr>
+            <a:spLocks noGrp="1"/>
+          </p:cNvSpPr>
+          <p:nvPr>
+            <p:ph type="title"/>
+          </p:nvPr>
+        </p:nvSpPr>
+        <p:spPr/>
+        <p:txBody>
+          <a:bodyPr/>
+          <a:lstStyle/>
+          <a:p>
+            <a:r>
+              <a:rPr lang="en-US" dirty="0"/>
+              <a:t>Pointers in GO (continued)</a:t>
+            </a:r>
+          </a:p>
+        </p:txBody>
+      </p:sp>
+      <p:sp>
+        <p:nvSpPr>
+          <p:cNvPr id="3" name="Text Placeholder 2">
+            <a:extLst>
+              <a:ext uri="{FF2B5EF4-FFF2-40B4-BE49-F238E27FC236}">
+                <a16:creationId xmlns:a16="http://schemas.microsoft.com/office/drawing/2014/main" id="{F33C297F-DB12-ED45-B7CC-F1E8CF4D38DF}"/>
+              </a:ext>
+            </a:extLst>
+          </p:cNvPr>
+          <p:cNvSpPr>
+            <a:spLocks noGrp="1"/>
+          </p:cNvSpPr>
+          <p:nvPr>
+            <p:ph type="body" idx="1"/>
+          </p:nvPr>
+        </p:nvSpPr>
+        <p:spPr/>
+        <p:txBody>
+          <a:bodyPr/>
+          <a:lstStyle/>
+          <a:p>
+            <a:r>
+              <a:rPr lang="en-US" dirty="0"/>
+              <a:t> Okay- so in the third line there (“*b++”)- we want to INCREASE the value of “b”, right? </a:t>
+            </a:r>
+            <a:r>
+              <a:rPr lang="en-US" i="1" dirty="0"/>
+              <a:t>But how can we increase the value of a via b?</a:t>
+            </a:r>
+          </a:p>
+          <a:p>
+            <a:r>
+              <a:rPr lang="en-US" dirty="0"/>
+              <a:t> We need to </a:t>
+            </a:r>
+            <a:r>
+              <a:rPr lang="en-US" b="1" dirty="0"/>
+              <a:t>dereference</a:t>
+            </a:r>
+            <a:r>
+              <a:rPr lang="en-US" dirty="0"/>
+              <a:t> b- which we do with the “*” value and point it back to a:</a:t>
+            </a:r>
+          </a:p>
+        </p:txBody>
+      </p:sp>
+      <p:pic>
+        <p:nvPicPr>
+          <p:cNvPr id="4098" name="Picture 2" descr="https://dave.cheney.net/wp-content/uploads/2017/04/Screen-Shot-2017-04-26-at-19.44.10-300x235.png">
+            <a:extLst>
+              <a:ext uri="{FF2B5EF4-FFF2-40B4-BE49-F238E27FC236}">
+                <a16:creationId xmlns:a16="http://schemas.microsoft.com/office/drawing/2014/main" id="{880D2BEE-C113-2F4A-B363-FF5EE2C4CCC8}"/>
+              </a:ext>
+            </a:extLst>
+          </p:cNvPr>
+          <p:cNvPicPr>
+            <a:picLocks noChangeAspect="1" noChangeArrowheads="1"/>
+          </p:cNvPicPr>
+          <p:nvPr/>
+        </p:nvPicPr>
+        <p:blipFill>
+          <a:blip r:embed="rId2">
+            <a:extLst>
+              <a:ext uri="{28A0092B-C50C-407E-A947-70E740481C1C}">
+                <a14:useLocalDpi xmlns:a14="http://schemas.microsoft.com/office/drawing/2010/main" val="0"/>
+              </a:ext>
+            </a:extLst>
+          </a:blip>
+          <a:srcRect/>
+          <a:stretch>
+            <a:fillRect/>
+          </a:stretch>
+        </p:blipFill>
+        <p:spPr bwMode="auto">
+          <a:xfrm>
+            <a:off x="471340" y="3886199"/>
+            <a:ext cx="3177618" cy="2489134"/>
+          </a:xfrm>
+          <a:prstGeom prst="rect">
+            <a:avLst/>
+          </a:prstGeom>
+          <a:noFill/>
+          <a:extLst>
+            <a:ext uri="{909E8E84-426E-40DD-AFC4-6F175D3DCCD1}">
+              <a14:hiddenFill xmlns:a14="http://schemas.microsoft.com/office/drawing/2010/main">
+                <a:solidFill>
+                  <a:srgbClr val="FFFFFF"/>
+                </a:solidFill>
+              </a14:hiddenFill>
+            </a:ext>
+          </a:extLst>
+        </p:spPr>
+      </p:pic>
+      <p:pic>
+        <p:nvPicPr>
+          <p:cNvPr id="4100" name="Picture 4" descr="https://dave.cheney.net/wp-content/uploads/2017/04/Screen-Shot-2017-04-26-at-19.35.07-300x232.png">
+            <a:extLst>
+              <a:ext uri="{FF2B5EF4-FFF2-40B4-BE49-F238E27FC236}">
+                <a16:creationId xmlns:a16="http://schemas.microsoft.com/office/drawing/2014/main" id="{D0BC466C-36C5-0844-985B-23CE3969D82D}"/>
+              </a:ext>
+            </a:extLst>
+          </p:cNvPr>
+          <p:cNvPicPr>
+            <a:picLocks noChangeAspect="1" noChangeArrowheads="1"/>
+          </p:cNvPicPr>
+          <p:nvPr/>
+        </p:nvPicPr>
+        <p:blipFill>
+          <a:blip r:embed="rId3">
+            <a:extLst>
+              <a:ext uri="{28A0092B-C50C-407E-A947-70E740481C1C}">
+                <a14:useLocalDpi xmlns:a14="http://schemas.microsoft.com/office/drawing/2010/main" val="0"/>
+              </a:ext>
+            </a:extLst>
+          </a:blip>
+          <a:srcRect/>
+          <a:stretch>
+            <a:fillRect/>
+          </a:stretch>
+        </p:blipFill>
+        <p:spPr bwMode="auto">
+          <a:xfrm>
+            <a:off x="4406427" y="3998143"/>
+            <a:ext cx="2929197" cy="2265246"/>
+          </a:xfrm>
+          <a:prstGeom prst="rect">
+            <a:avLst/>
+          </a:prstGeom>
+          <a:noFill/>
+          <a:extLst>
+            <a:ext uri="{909E8E84-426E-40DD-AFC4-6F175D3DCCD1}">
+              <a14:hiddenFill xmlns:a14="http://schemas.microsoft.com/office/drawing/2010/main">
+                <a:solidFill>
+                  <a:srgbClr val="FFFFFF"/>
+                </a:solidFill>
+              </a14:hiddenFill>
+            </a:ext>
+          </a:extLst>
+        </p:spPr>
+      </p:pic>
+    </p:spTree>
+    <p:extLst>
+      <p:ext uri="{BB962C8B-B14F-4D97-AF65-F5344CB8AC3E}">
+        <p14:creationId xmlns:p14="http://schemas.microsoft.com/office/powerpoint/2010/main" val="2874219800"/>
+      </p:ext>
+    </p:extLst>
+  </p:cSld>
+  <p:clrMapOvr>
+    <a:masterClrMapping/>
+  </p:clrMapOvr>
+</p:sld>
+</file>
+
+<file path=ppt/slides/slide22.xml><?xml version="1.0" encoding="utf-8"?>
+<p:sld xmlns:a="http://schemas.openxmlformats.org/drawingml/2006/main" xmlns:r="http://schemas.openxmlformats.org/officeDocument/2006/relationships" xmlns:p="http://schemas.openxmlformats.org/presentationml/2006/main">
+  <p:cSld>
+    <p:spTree>
+      <p:nvGrpSpPr>
+        <p:cNvPr id="1" name=""/>
+        <p:cNvGrpSpPr/>
+        <p:nvPr/>
+      </p:nvGrpSpPr>
+      <p:grpSpPr>
+        <a:xfrm>
+          <a:off x="0" y="0"/>
+          <a:ext cx="0" cy="0"/>
+          <a:chOff x="0" y="0"/>
+          <a:chExt cx="0" cy="0"/>
+        </a:xfrm>
+      </p:grpSpPr>
+      <p:sp>
+        <p:nvSpPr>
+          <p:cNvPr id="2" name="Title 1">
+            <a:extLst>
+              <a:ext uri="{FF2B5EF4-FFF2-40B4-BE49-F238E27FC236}">
+                <a16:creationId xmlns:a16="http://schemas.microsoft.com/office/drawing/2014/main" id="{2711D474-2029-4E47-908E-20319D0422EF}"/>
+              </a:ext>
+            </a:extLst>
+          </p:cNvPr>
+          <p:cNvSpPr>
+            <a:spLocks noGrp="1"/>
+          </p:cNvSpPr>
+          <p:nvPr>
+            <p:ph type="title"/>
+          </p:nvPr>
+        </p:nvSpPr>
+        <p:spPr/>
+        <p:txBody>
+          <a:bodyPr/>
+          <a:lstStyle/>
+          <a:p>
+            <a:r>
+              <a:rPr lang="en-US" dirty="0"/>
+              <a:t>Pointers in GO</a:t>
+            </a:r>
+          </a:p>
+        </p:txBody>
+      </p:sp>
+      <p:sp>
+        <p:nvSpPr>
+          <p:cNvPr id="3" name="Text Placeholder 2">
+            <a:extLst>
+              <a:ext uri="{FF2B5EF4-FFF2-40B4-BE49-F238E27FC236}">
+                <a16:creationId xmlns:a16="http://schemas.microsoft.com/office/drawing/2014/main" id="{23BF01AF-F462-4341-B62F-5C6C365E910F}"/>
+              </a:ext>
+            </a:extLst>
+          </p:cNvPr>
+          <p:cNvSpPr>
+            <a:spLocks noGrp="1"/>
+          </p:cNvSpPr>
+          <p:nvPr>
+            <p:ph type="body" idx="1"/>
+          </p:nvPr>
+        </p:nvSpPr>
+        <p:spPr/>
+        <p:txBody>
+          <a:bodyPr/>
+          <a:lstStyle/>
+          <a:p>
+            <a:r>
+              <a:rPr lang="en-US" dirty="0"/>
+              <a:t> What usually confuses new folks with GO first using pointers is the concept of </a:t>
+            </a:r>
+            <a:r>
+              <a:rPr lang="en-US" b="1" dirty="0"/>
+              <a:t>dereferencing</a:t>
+            </a:r>
+            <a:r>
+              <a:rPr lang="en-US" dirty="0"/>
+              <a:t>.</a:t>
+            </a:r>
+          </a:p>
+          <a:p>
+            <a:r>
+              <a:rPr lang="en-US" dirty="0"/>
+              <a:t>You see- we can’t just </a:t>
+            </a:r>
+            <a:r>
+              <a:rPr lang="en-US" b="1" dirty="0"/>
+              <a:t>change</a:t>
+            </a:r>
+            <a:r>
+              <a:rPr lang="en-US" dirty="0"/>
+              <a:t> the “b” variable here- the “b” variable is an address…. But we </a:t>
+            </a:r>
+            <a:r>
+              <a:rPr lang="en-US" b="1" dirty="0"/>
+              <a:t>can</a:t>
+            </a:r>
+            <a:r>
+              <a:rPr lang="en-US" dirty="0"/>
+              <a:t> change the </a:t>
+            </a:r>
+            <a:r>
+              <a:rPr lang="en-US" b="1" dirty="0"/>
+              <a:t>a</a:t>
+            </a:r>
+            <a:r>
+              <a:rPr lang="en-US" dirty="0"/>
+              <a:t> variable </a:t>
+            </a:r>
+            <a:r>
+              <a:rPr lang="en-US" b="1" dirty="0"/>
+              <a:t>via</a:t>
+            </a:r>
+            <a:r>
+              <a:rPr lang="en-US" dirty="0"/>
+              <a:t> the </a:t>
+            </a:r>
+            <a:r>
+              <a:rPr lang="en-US" b="1" dirty="0"/>
+              <a:t>b </a:t>
+            </a:r>
+            <a:r>
+              <a:rPr lang="en-US" dirty="0"/>
+              <a:t>variable by dereferencing it with the * symbol.</a:t>
+            </a:r>
+          </a:p>
+        </p:txBody>
+      </p:sp>
+      <p:pic>
+        <p:nvPicPr>
+          <p:cNvPr id="5122" name="Picture 2" descr="Image result for go gopher">
+            <a:extLst>
+              <a:ext uri="{FF2B5EF4-FFF2-40B4-BE49-F238E27FC236}">
+                <a16:creationId xmlns:a16="http://schemas.microsoft.com/office/drawing/2014/main" id="{34C84624-0664-264B-90E9-F174151AFFF8}"/>
+              </a:ext>
+            </a:extLst>
+          </p:cNvPr>
+          <p:cNvPicPr>
+            <a:picLocks noChangeAspect="1" noChangeArrowheads="1"/>
+          </p:cNvPicPr>
+          <p:nvPr/>
+        </p:nvPicPr>
+        <p:blipFill>
+          <a:blip r:embed="rId2">
+            <a:extLst>
+              <a:ext uri="{28A0092B-C50C-407E-A947-70E740481C1C}">
+                <a14:useLocalDpi xmlns:a14="http://schemas.microsoft.com/office/drawing/2010/main" val="0"/>
+              </a:ext>
+            </a:extLst>
+          </a:blip>
+          <a:srcRect/>
+          <a:stretch>
+            <a:fillRect/>
+          </a:stretch>
+        </p:blipFill>
+        <p:spPr bwMode="auto">
+          <a:xfrm>
+            <a:off x="3491059" y="3733799"/>
+            <a:ext cx="3048000" cy="2667000"/>
+          </a:xfrm>
+          <a:prstGeom prst="rect">
+            <a:avLst/>
+          </a:prstGeom>
+          <a:noFill/>
+          <a:extLst>
+            <a:ext uri="{909E8E84-426E-40DD-AFC4-6F175D3DCCD1}">
+              <a14:hiddenFill xmlns:a14="http://schemas.microsoft.com/office/drawing/2010/main">
+                <a:solidFill>
+                  <a:srgbClr val="FFFFFF"/>
+                </a:solidFill>
+              </a14:hiddenFill>
+            </a:ext>
+          </a:extLst>
+        </p:spPr>
+      </p:pic>
+    </p:spTree>
+    <p:extLst>
+      <p:ext uri="{BB962C8B-B14F-4D97-AF65-F5344CB8AC3E}">
+        <p14:creationId xmlns:p14="http://schemas.microsoft.com/office/powerpoint/2010/main" val="3287293538"/>
+      </p:ext>
+    </p:extLst>
+  </p:cSld>
+  <p:clrMapOvr>
+    <a:masterClrMapping/>
+  </p:clrMapOvr>
+</p:sld>
+</file>
+
+<file path=ppt/slides/slide23.xml><?xml version="1.0" encoding="utf-8"?>
+<p:sld xmlns:a="http://schemas.openxmlformats.org/drawingml/2006/main" xmlns:r="http://schemas.openxmlformats.org/officeDocument/2006/relationships" xmlns:p="http://schemas.openxmlformats.org/presentationml/2006/main">
+  <p:cSld>
+    <p:spTree>
+      <p:nvGrpSpPr>
+        <p:cNvPr id="1" name=""/>
+        <p:cNvGrpSpPr/>
+        <p:nvPr/>
+      </p:nvGrpSpPr>
+      <p:grpSpPr>
+        <a:xfrm>
+          <a:off x="0" y="0"/>
+          <a:ext cx="0" cy="0"/>
+          <a:chOff x="0" y="0"/>
+          <a:chExt cx="0" cy="0"/>
+        </a:xfrm>
+      </p:grpSpPr>
+      <p:sp>
+        <p:nvSpPr>
+          <p:cNvPr id="2" name="Title 1">
+            <a:extLst>
+              <a:ext uri="{FF2B5EF4-FFF2-40B4-BE49-F238E27FC236}">
+                <a16:creationId xmlns:a16="http://schemas.microsoft.com/office/drawing/2014/main" id="{D267AE24-C3B9-9746-B98B-33D7C795BF47}"/>
+              </a:ext>
+            </a:extLst>
+          </p:cNvPr>
+          <p:cNvSpPr>
+            <a:spLocks noGrp="1"/>
+          </p:cNvSpPr>
+          <p:nvPr>
+            <p:ph type="title"/>
+          </p:nvPr>
+        </p:nvSpPr>
+        <p:spPr/>
+        <p:txBody>
+          <a:bodyPr/>
+          <a:lstStyle/>
+          <a:p>
+            <a:r>
+              <a:rPr lang="en-US" dirty="0"/>
+              <a:t>Pass By Reference</a:t>
+            </a:r>
+          </a:p>
+        </p:txBody>
+      </p:sp>
+      <p:sp>
+        <p:nvSpPr>
+          <p:cNvPr id="3" name="Text Placeholder 2">
+            <a:extLst>
+              <a:ext uri="{FF2B5EF4-FFF2-40B4-BE49-F238E27FC236}">
+                <a16:creationId xmlns:a16="http://schemas.microsoft.com/office/drawing/2014/main" id="{652019D6-CAAF-6E49-8584-D8F399C72FE1}"/>
+              </a:ext>
+            </a:extLst>
+          </p:cNvPr>
+          <p:cNvSpPr>
+            <a:spLocks noGrp="1"/>
+          </p:cNvSpPr>
+          <p:nvPr>
+            <p:ph type="body" idx="1"/>
+          </p:nvPr>
+        </p:nvSpPr>
+        <p:spPr/>
+        <p:txBody>
+          <a:bodyPr/>
+          <a:lstStyle/>
+          <a:p>
+            <a:r>
+              <a:rPr lang="en-US" dirty="0"/>
+              <a:t>There is </a:t>
+            </a:r>
+            <a:r>
+              <a:rPr lang="en-US" i="1" dirty="0"/>
+              <a:t>no pass-by-reference in GO</a:t>
+            </a:r>
+            <a:r>
+              <a:rPr lang="en-US" dirty="0"/>
+              <a:t>. </a:t>
+            </a:r>
+          </a:p>
+          <a:p>
+            <a:r>
+              <a:rPr lang="en-US" dirty="0"/>
+              <a:t>This can be confusing because in languages like C++ you can declare aliases to existing variables using </a:t>
+            </a:r>
+            <a:r>
+              <a:rPr lang="en-US" b="1" dirty="0"/>
+              <a:t>eerily similar</a:t>
+            </a:r>
+            <a:r>
+              <a:rPr lang="en-US" dirty="0"/>
+              <a:t> coding techniques to Go- specifically:</a:t>
+            </a:r>
+          </a:p>
+          <a:p>
+            <a:pPr marL="177800" indent="0">
+              <a:buNone/>
+            </a:pPr>
+            <a:endParaRPr lang="en-US" dirty="0">
+              <a:highlight>
+                <a:srgbClr val="FFFF00"/>
+              </a:highlight>
+            </a:endParaRPr>
+          </a:p>
+          <a:p>
+            <a:pPr marL="177800" indent="0">
+              <a:buNone/>
+            </a:pPr>
+            <a:r>
+              <a:rPr lang="en-US" dirty="0" err="1">
+                <a:highlight>
+                  <a:srgbClr val="FFFF00"/>
+                </a:highlight>
+              </a:rPr>
+              <a:t>int</a:t>
+            </a:r>
+            <a:r>
+              <a:rPr lang="en-US" dirty="0">
+                <a:highlight>
+                  <a:srgbClr val="FFFF00"/>
+                </a:highlight>
+              </a:rPr>
+              <a:t> a = 10; </a:t>
+            </a:r>
+          </a:p>
+          <a:p>
+            <a:pPr marL="177800" indent="0">
+              <a:buNone/>
+            </a:pPr>
+            <a:r>
+              <a:rPr lang="en-US" dirty="0" err="1">
+                <a:highlight>
+                  <a:srgbClr val="FFFF00"/>
+                </a:highlight>
+              </a:rPr>
+              <a:t>int</a:t>
+            </a:r>
+            <a:r>
+              <a:rPr lang="en-US" dirty="0">
+                <a:highlight>
+                  <a:srgbClr val="FFFF00"/>
+                </a:highlight>
+              </a:rPr>
+              <a:t> &amp;b = a;</a:t>
+            </a:r>
+          </a:p>
+          <a:p>
+            <a:pPr marL="177800" indent="0">
+              <a:buNone/>
+            </a:pPr>
+            <a:r>
+              <a:rPr lang="en-US" dirty="0" err="1">
+                <a:highlight>
+                  <a:srgbClr val="FFFF00"/>
+                </a:highlight>
+              </a:rPr>
+              <a:t>int</a:t>
+            </a:r>
+            <a:r>
+              <a:rPr lang="en-US" dirty="0">
+                <a:highlight>
+                  <a:srgbClr val="FFFF00"/>
+                </a:highlight>
+              </a:rPr>
+              <a:t> &amp;c = b;</a:t>
+            </a:r>
+          </a:p>
+          <a:p>
+            <a:pPr marL="177800" indent="0">
+              <a:buNone/>
+            </a:pPr>
+            <a:endParaRPr lang="en-US" dirty="0">
+              <a:highlight>
+                <a:srgbClr val="FFFF00"/>
+              </a:highlight>
+            </a:endParaRPr>
+          </a:p>
+          <a:p>
+            <a:pPr marL="177800" indent="0">
+              <a:buNone/>
+            </a:pPr>
+            <a:endParaRPr lang="en-US" dirty="0">
+              <a:highlight>
+                <a:srgbClr val="FFFF00"/>
+              </a:highlight>
+            </a:endParaRPr>
+          </a:p>
+        </p:txBody>
+      </p:sp>
+      <p:pic>
+        <p:nvPicPr>
+          <p:cNvPr id="6146" name="Picture 2" descr="Image result for go gopher">
+            <a:extLst>
+              <a:ext uri="{FF2B5EF4-FFF2-40B4-BE49-F238E27FC236}">
+                <a16:creationId xmlns:a16="http://schemas.microsoft.com/office/drawing/2014/main" id="{A4D11BC8-90EF-CE40-B810-6AB518A5D3D4}"/>
+              </a:ext>
+            </a:extLst>
+          </p:cNvPr>
+          <p:cNvPicPr>
+            <a:picLocks noChangeAspect="1" noChangeArrowheads="1"/>
+          </p:cNvPicPr>
+          <p:nvPr/>
+        </p:nvPicPr>
+        <p:blipFill>
+          <a:blip r:embed="rId2">
+            <a:extLst>
+              <a:ext uri="{28A0092B-C50C-407E-A947-70E740481C1C}">
+                <a14:useLocalDpi xmlns:a14="http://schemas.microsoft.com/office/drawing/2010/main" val="0"/>
+              </a:ext>
+            </a:extLst>
+          </a:blip>
+          <a:srcRect/>
+          <a:stretch>
+            <a:fillRect/>
+          </a:stretch>
+        </p:blipFill>
+        <p:spPr bwMode="auto">
+          <a:xfrm>
+            <a:off x="4572000" y="3543299"/>
+            <a:ext cx="2857500" cy="2857500"/>
+          </a:xfrm>
+          <a:prstGeom prst="rect">
+            <a:avLst/>
+          </a:prstGeom>
+          <a:noFill/>
+          <a:extLst>
+            <a:ext uri="{909E8E84-426E-40DD-AFC4-6F175D3DCCD1}">
+              <a14:hiddenFill xmlns:a14="http://schemas.microsoft.com/office/drawing/2010/main">
+                <a:solidFill>
+                  <a:srgbClr val="FFFFFF"/>
+                </a:solidFill>
+              </a14:hiddenFill>
+            </a:ext>
+          </a:extLst>
+        </p:spPr>
+      </p:pic>
+    </p:spTree>
+    <p:extLst>
+      <p:ext uri="{BB962C8B-B14F-4D97-AF65-F5344CB8AC3E}">
+        <p14:creationId xmlns:p14="http://schemas.microsoft.com/office/powerpoint/2010/main" val="3032086546"/>
+      </p:ext>
+    </p:extLst>
+  </p:cSld>
+  <p:clrMapOvr>
+    <a:masterClrMapping/>
+  </p:clrMapOvr>
+</p:sld>
+</file>
+
+<file path=ppt/slides/slide24.xml><?xml version="1.0" encoding="utf-8"?>
+<p:sld xmlns:a="http://schemas.openxmlformats.org/drawingml/2006/main" xmlns:r="http://schemas.openxmlformats.org/officeDocument/2006/relationships" xmlns:p="http://schemas.openxmlformats.org/presentationml/2006/main">
+  <p:cSld>
+    <p:spTree>
+      <p:nvGrpSpPr>
+        <p:cNvPr id="1" name=""/>
+        <p:cNvGrpSpPr/>
+        <p:nvPr/>
+      </p:nvGrpSpPr>
+      <p:grpSpPr>
+        <a:xfrm>
+          <a:off x="0" y="0"/>
+          <a:ext cx="0" cy="0"/>
+          <a:chOff x="0" y="0"/>
+          <a:chExt cx="0" cy="0"/>
+        </a:xfrm>
+      </p:grpSpPr>
+      <p:sp>
+        <p:nvSpPr>
+          <p:cNvPr id="2" name="Title 1">
+            <a:extLst>
+              <a:ext uri="{FF2B5EF4-FFF2-40B4-BE49-F238E27FC236}">
+                <a16:creationId xmlns:a16="http://schemas.microsoft.com/office/drawing/2014/main" id="{2C6D7480-CAD8-E142-ADAF-D23FBF75DAB1}"/>
+              </a:ext>
+            </a:extLst>
+          </p:cNvPr>
+          <p:cNvSpPr>
+            <a:spLocks noGrp="1"/>
+          </p:cNvSpPr>
+          <p:nvPr>
+            <p:ph type="title"/>
+          </p:nvPr>
+        </p:nvSpPr>
+        <p:spPr/>
+        <p:txBody>
+          <a:bodyPr/>
+          <a:lstStyle/>
+          <a:p>
+            <a:r>
+              <a:rPr lang="en-US" dirty="0"/>
+              <a:t>Pass by reference	</a:t>
+            </a:r>
+          </a:p>
+        </p:txBody>
+      </p:sp>
+      <p:sp>
+        <p:nvSpPr>
+          <p:cNvPr id="3" name="Text Placeholder 2">
+            <a:extLst>
+              <a:ext uri="{FF2B5EF4-FFF2-40B4-BE49-F238E27FC236}">
+                <a16:creationId xmlns:a16="http://schemas.microsoft.com/office/drawing/2014/main" id="{331E5740-3A35-7844-BA1F-344C5236B579}"/>
+              </a:ext>
+            </a:extLst>
+          </p:cNvPr>
+          <p:cNvSpPr>
+            <a:spLocks noGrp="1"/>
+          </p:cNvSpPr>
+          <p:nvPr>
+            <p:ph type="body" idx="1"/>
+          </p:nvPr>
+        </p:nvSpPr>
+        <p:spPr/>
+        <p:txBody>
+          <a:bodyPr/>
+          <a:lstStyle/>
+          <a:p>
+            <a:r>
+              <a:rPr lang="en-US" dirty="0"/>
+              <a:t> So as you can see from the C++ example there- a write to ”a” will alter the contents of </a:t>
+            </a:r>
+            <a:r>
+              <a:rPr lang="en-US" b="1" dirty="0"/>
+              <a:t>b </a:t>
+            </a:r>
+            <a:r>
+              <a:rPr lang="en-US" dirty="0"/>
+              <a:t>and </a:t>
+            </a:r>
+            <a:r>
+              <a:rPr lang="en-US" b="1" dirty="0"/>
+              <a:t>c</a:t>
+            </a:r>
+            <a:r>
+              <a:rPr lang="en-US" dirty="0"/>
+              <a:t>, right? BUT- in GO variables </a:t>
+            </a:r>
+            <a:r>
+              <a:rPr lang="en-US" b="1" dirty="0"/>
+              <a:t>always</a:t>
+            </a:r>
+            <a:r>
+              <a:rPr lang="en-US" dirty="0"/>
+              <a:t> have their own memory storage location- so although both point to “a”:</a:t>
+            </a:r>
+          </a:p>
+          <a:p>
+            <a:pPr marL="177800" indent="0">
+              <a:buNone/>
+            </a:pPr>
+            <a:endParaRPr lang="en-US" dirty="0"/>
+          </a:p>
+          <a:p>
+            <a:pPr marL="177800" indent="0">
+              <a:buNone/>
+            </a:pPr>
+            <a:r>
+              <a:rPr lang="en-US" sz="2000" dirty="0" err="1">
+                <a:highlight>
+                  <a:srgbClr val="FFFF00"/>
+                </a:highlight>
+                <a:latin typeface="American Typewriter" panose="02090604020004020304" pitchFamily="18" charset="77"/>
+              </a:rPr>
+              <a:t>func</a:t>
+            </a:r>
+            <a:r>
+              <a:rPr lang="en-US" sz="2000" dirty="0">
+                <a:highlight>
+                  <a:srgbClr val="FFFF00"/>
+                </a:highlight>
+                <a:latin typeface="American Typewriter" panose="02090604020004020304" pitchFamily="18" charset="77"/>
+              </a:rPr>
+              <a:t> main() { </a:t>
+            </a:r>
+          </a:p>
+          <a:p>
+            <a:pPr marL="177800" indent="0">
+              <a:buNone/>
+            </a:pPr>
+            <a:r>
+              <a:rPr lang="en-US" sz="2000" dirty="0">
+                <a:highlight>
+                  <a:srgbClr val="FFFF00"/>
+                </a:highlight>
+                <a:latin typeface="American Typewriter" panose="02090604020004020304" pitchFamily="18" charset="77"/>
+              </a:rPr>
+              <a:t>	</a:t>
+            </a:r>
+            <a:r>
+              <a:rPr lang="en-US" sz="2000" dirty="0" err="1">
+                <a:highlight>
+                  <a:srgbClr val="FFFF00"/>
+                </a:highlight>
+                <a:latin typeface="American Typewriter" panose="02090604020004020304" pitchFamily="18" charset="77"/>
+              </a:rPr>
+              <a:t>var</a:t>
+            </a:r>
+            <a:r>
+              <a:rPr lang="en-US" sz="2000" dirty="0">
+                <a:highlight>
+                  <a:srgbClr val="FFFF00"/>
+                </a:highlight>
+                <a:latin typeface="American Typewriter" panose="02090604020004020304" pitchFamily="18" charset="77"/>
+              </a:rPr>
+              <a:t> a </a:t>
+            </a:r>
+            <a:r>
+              <a:rPr lang="en-US" sz="2000" dirty="0" err="1">
+                <a:highlight>
+                  <a:srgbClr val="FFFF00"/>
+                </a:highlight>
+                <a:latin typeface="American Typewriter" panose="02090604020004020304" pitchFamily="18" charset="77"/>
+              </a:rPr>
+              <a:t>int</a:t>
+            </a:r>
+            <a:r>
+              <a:rPr lang="en-US" sz="2000" dirty="0">
+                <a:highlight>
+                  <a:srgbClr val="FFFF00"/>
+                </a:highlight>
+                <a:latin typeface="American Typewriter" panose="02090604020004020304" pitchFamily="18" charset="77"/>
+              </a:rPr>
+              <a:t> </a:t>
+            </a:r>
+          </a:p>
+          <a:p>
+            <a:pPr marL="177800" indent="0">
+              <a:buNone/>
+            </a:pPr>
+            <a:r>
+              <a:rPr lang="en-US" sz="2000" dirty="0">
+                <a:highlight>
+                  <a:srgbClr val="FFFF00"/>
+                </a:highlight>
+                <a:latin typeface="American Typewriter" panose="02090604020004020304" pitchFamily="18" charset="77"/>
+              </a:rPr>
+              <a:t>	</a:t>
+            </a:r>
+            <a:r>
+              <a:rPr lang="en-US" sz="2000" dirty="0" err="1">
+                <a:highlight>
+                  <a:srgbClr val="FFFF00"/>
+                </a:highlight>
+                <a:latin typeface="American Typewriter" panose="02090604020004020304" pitchFamily="18" charset="77"/>
+              </a:rPr>
+              <a:t>var</a:t>
+            </a:r>
+            <a:r>
+              <a:rPr lang="en-US" sz="2000" dirty="0">
+                <a:highlight>
+                  <a:srgbClr val="FFFF00"/>
+                </a:highlight>
+                <a:latin typeface="American Typewriter" panose="02090604020004020304" pitchFamily="18" charset="77"/>
+              </a:rPr>
+              <a:t> b, c = &amp;a, &amp;a </a:t>
+            </a:r>
+          </a:p>
+          <a:p>
+            <a:pPr marL="177800" indent="0">
+              <a:buNone/>
+            </a:pPr>
+            <a:r>
+              <a:rPr lang="en-US" sz="2000" dirty="0">
+                <a:highlight>
+                  <a:srgbClr val="FFFF00"/>
+                </a:highlight>
+                <a:latin typeface="American Typewriter" panose="02090604020004020304" pitchFamily="18" charset="77"/>
+              </a:rPr>
+              <a:t>	</a:t>
+            </a:r>
+            <a:r>
+              <a:rPr lang="en-US" sz="2000" dirty="0" err="1">
+                <a:highlight>
+                  <a:srgbClr val="FFFF00"/>
+                </a:highlight>
+                <a:latin typeface="American Typewriter" panose="02090604020004020304" pitchFamily="18" charset="77"/>
+              </a:rPr>
+              <a:t>fmt.Println</a:t>
+            </a:r>
+            <a:r>
+              <a:rPr lang="en-US" sz="2000" dirty="0">
+                <a:highlight>
+                  <a:srgbClr val="FFFF00"/>
+                </a:highlight>
+                <a:latin typeface="American Typewriter" panose="02090604020004020304" pitchFamily="18" charset="77"/>
+              </a:rPr>
+              <a:t>(b, c) // 0x1040a124 0x1040a124 //The same</a:t>
+            </a:r>
+          </a:p>
+          <a:p>
+            <a:pPr marL="177800" indent="0">
+              <a:buNone/>
+            </a:pPr>
+            <a:r>
+              <a:rPr lang="en-US" sz="2000" dirty="0">
+                <a:highlight>
+                  <a:srgbClr val="FFFF00"/>
+                </a:highlight>
+                <a:latin typeface="American Typewriter" panose="02090604020004020304" pitchFamily="18" charset="77"/>
+              </a:rPr>
+              <a:t>	 </a:t>
+            </a:r>
+            <a:r>
+              <a:rPr lang="en-US" sz="2000" dirty="0" err="1">
+                <a:highlight>
+                  <a:srgbClr val="FFFF00"/>
+                </a:highlight>
+                <a:latin typeface="American Typewriter" panose="02090604020004020304" pitchFamily="18" charset="77"/>
+              </a:rPr>
+              <a:t>fmt.Println</a:t>
+            </a:r>
+            <a:r>
+              <a:rPr lang="en-US" sz="2000" dirty="0">
+                <a:highlight>
+                  <a:srgbClr val="FFFF00"/>
+                </a:highlight>
+                <a:latin typeface="American Typewriter" panose="02090604020004020304" pitchFamily="18" charset="77"/>
+              </a:rPr>
+              <a:t>(&amp;b, &amp;c) // 0x1040c108 0x1040c110 //Different</a:t>
+            </a:r>
+          </a:p>
+          <a:p>
+            <a:pPr marL="177800" indent="0">
+              <a:buNone/>
+            </a:pPr>
+            <a:r>
+              <a:rPr lang="en-US" sz="2000" dirty="0">
+                <a:highlight>
+                  <a:srgbClr val="FFFF00"/>
+                </a:highlight>
+                <a:latin typeface="American Typewriter" panose="02090604020004020304" pitchFamily="18" charset="77"/>
+              </a:rPr>
+              <a:t>}</a:t>
+            </a:r>
+          </a:p>
+          <a:p>
+            <a:pPr marL="177800" indent="0">
+              <a:buNone/>
+            </a:pPr>
+            <a:endParaRPr lang="en-US" dirty="0"/>
+          </a:p>
+        </p:txBody>
+      </p:sp>
+    </p:spTree>
+    <p:extLst>
+      <p:ext uri="{BB962C8B-B14F-4D97-AF65-F5344CB8AC3E}">
+        <p14:creationId xmlns:p14="http://schemas.microsoft.com/office/powerpoint/2010/main" val="3279496828"/>
+      </p:ext>
+    </p:extLst>
+  </p:cSld>
+  <p:clrMapOvr>
+    <a:masterClrMapping/>
+  </p:clrMapOvr>
+</p:sld>
+</file>
+
+<file path=ppt/slides/slide25.xml><?xml version="1.0" encoding="utf-8"?>
+<p:sld xmlns:a="http://schemas.openxmlformats.org/drawingml/2006/main" xmlns:r="http://schemas.openxmlformats.org/officeDocument/2006/relationships" xmlns:p="http://schemas.openxmlformats.org/presentationml/2006/main">
+  <p:cSld>
+    <p:spTree>
+      <p:nvGrpSpPr>
+        <p:cNvPr id="1" name=""/>
+        <p:cNvGrpSpPr/>
+        <p:nvPr/>
+      </p:nvGrpSpPr>
+      <p:grpSpPr>
+        <a:xfrm>
+          <a:off x="0" y="0"/>
+          <a:ext cx="0" cy="0"/>
+          <a:chOff x="0" y="0"/>
+          <a:chExt cx="0" cy="0"/>
+        </a:xfrm>
+      </p:grpSpPr>
+      <p:sp>
+        <p:nvSpPr>
+          <p:cNvPr id="2" name="Title 1">
+            <a:extLst>
+              <a:ext uri="{FF2B5EF4-FFF2-40B4-BE49-F238E27FC236}">
+                <a16:creationId xmlns:a16="http://schemas.microsoft.com/office/drawing/2014/main" id="{FCC8E646-9E6D-7F46-A9FC-440EB60128B8}"/>
+              </a:ext>
+            </a:extLst>
+          </p:cNvPr>
+          <p:cNvSpPr>
+            <a:spLocks noGrp="1"/>
+          </p:cNvSpPr>
+          <p:nvPr>
+            <p:ph type="title"/>
+          </p:nvPr>
+        </p:nvSpPr>
+        <p:spPr/>
+        <p:txBody>
+          <a:bodyPr/>
+          <a:lstStyle/>
+          <a:p>
+            <a:r>
+              <a:rPr lang="en-US" dirty="0"/>
+              <a:t>Pointers to Structs </a:t>
+            </a:r>
+          </a:p>
+        </p:txBody>
+      </p:sp>
+      <p:sp>
+        <p:nvSpPr>
+          <p:cNvPr id="3" name="Text Placeholder 2">
+            <a:extLst>
+              <a:ext uri="{FF2B5EF4-FFF2-40B4-BE49-F238E27FC236}">
+                <a16:creationId xmlns:a16="http://schemas.microsoft.com/office/drawing/2014/main" id="{A4CECCE1-C58B-A845-8E0D-4ED905324027}"/>
+              </a:ext>
+            </a:extLst>
+          </p:cNvPr>
+          <p:cNvSpPr>
+            <a:spLocks noGrp="1"/>
+          </p:cNvSpPr>
+          <p:nvPr>
+            <p:ph type="body" idx="1"/>
+          </p:nvPr>
+        </p:nvSpPr>
+        <p:spPr/>
+        <p:txBody>
+          <a:bodyPr/>
+          <a:lstStyle/>
+          <a:p>
+            <a:r>
+              <a:rPr lang="en-US" sz="2400" dirty="0"/>
+              <a:t> Pointers usually come in *most* useful with </a:t>
+            </a:r>
+            <a:r>
+              <a:rPr lang="en-US" sz="2400" b="1" dirty="0"/>
+              <a:t>structs</a:t>
+            </a:r>
+            <a:r>
+              <a:rPr lang="en-US" sz="2400" dirty="0"/>
+              <a:t>.</a:t>
+            </a:r>
+          </a:p>
+          <a:p>
+            <a:endParaRPr lang="en-US" sz="2400" dirty="0"/>
+          </a:p>
+          <a:p>
+            <a:r>
+              <a:rPr lang="en-US" sz="2400" dirty="0"/>
+              <a:t> IF the method is intended to modify the receiver (read: struct) then the receiver </a:t>
+            </a:r>
+            <a:r>
+              <a:rPr lang="en-US" sz="2400" b="1" dirty="0"/>
+              <a:t>must be a pointer</a:t>
+            </a:r>
+            <a:r>
+              <a:rPr lang="en-US" sz="2400" dirty="0"/>
+              <a:t>. </a:t>
+            </a:r>
+          </a:p>
+          <a:p>
+            <a:pPr marL="177800" indent="0">
+              <a:buNone/>
+            </a:pPr>
+            <a:r>
+              <a:rPr lang="en-US" sz="2400" dirty="0"/>
+              <a:t> </a:t>
+            </a:r>
+          </a:p>
+          <a:p>
+            <a:r>
+              <a:rPr lang="en-US" sz="2400" dirty="0"/>
+              <a:t>Here’s what to know- when you </a:t>
+            </a:r>
+            <a:r>
+              <a:rPr lang="en-US" sz="2400" b="1" dirty="0"/>
+              <a:t>pass-by-value</a:t>
+            </a:r>
+            <a:r>
+              <a:rPr lang="en-US" sz="2400" dirty="0"/>
+              <a:t> to a struct you are basically making a </a:t>
+            </a:r>
+            <a:r>
+              <a:rPr lang="en-US" sz="2400" b="1" dirty="0"/>
+              <a:t>copy</a:t>
+            </a:r>
+            <a:r>
+              <a:rPr lang="en-US" sz="2400" dirty="0"/>
+              <a:t> of the struct within the scope of that function- so you are *not* modifying the underlying struct. </a:t>
+            </a:r>
+          </a:p>
+          <a:p>
+            <a:endParaRPr lang="en-US" sz="2400" dirty="0"/>
+          </a:p>
+          <a:p>
+            <a:r>
+              <a:rPr lang="en-US" sz="2400" dirty="0"/>
+              <a:t>To modify the struct- use a pointer. </a:t>
+            </a:r>
+          </a:p>
+          <a:p>
+            <a:r>
+              <a:rPr lang="en-US" sz="2400" dirty="0"/>
+              <a:t>Generally- try not to pass around pointers a lot</a:t>
+            </a:r>
+          </a:p>
+        </p:txBody>
+      </p:sp>
+      <p:pic>
+        <p:nvPicPr>
+          <p:cNvPr id="7170" name="Picture 2" descr="Image result for go gopher">
+            <a:extLst>
+              <a:ext uri="{FF2B5EF4-FFF2-40B4-BE49-F238E27FC236}">
+                <a16:creationId xmlns:a16="http://schemas.microsoft.com/office/drawing/2014/main" id="{E2A483B4-FD5F-ED40-84BC-9013BA9B1FE9}"/>
+              </a:ext>
+            </a:extLst>
+          </p:cNvPr>
+          <p:cNvPicPr>
+            <a:picLocks noChangeAspect="1" noChangeArrowheads="1"/>
+          </p:cNvPicPr>
+          <p:nvPr/>
+        </p:nvPicPr>
+        <p:blipFill>
+          <a:blip r:embed="rId2">
+            <a:extLst>
+              <a:ext uri="{28A0092B-C50C-407E-A947-70E740481C1C}">
+                <a14:useLocalDpi xmlns:a14="http://schemas.microsoft.com/office/drawing/2010/main" val="0"/>
+              </a:ext>
+            </a:extLst>
+          </a:blip>
+          <a:srcRect/>
+          <a:stretch>
+            <a:fillRect/>
+          </a:stretch>
+        </p:blipFill>
+        <p:spPr bwMode="auto">
+          <a:xfrm>
+            <a:off x="6765306" y="4883085"/>
+            <a:ext cx="1734530" cy="1517714"/>
+          </a:xfrm>
+          <a:prstGeom prst="rect">
+            <a:avLst/>
+          </a:prstGeom>
+          <a:noFill/>
+          <a:extLst>
+            <a:ext uri="{909E8E84-426E-40DD-AFC4-6F175D3DCCD1}">
+              <a14:hiddenFill xmlns:a14="http://schemas.microsoft.com/office/drawing/2010/main">
+                <a:solidFill>
+                  <a:srgbClr val="FFFFFF"/>
+                </a:solidFill>
+              </a14:hiddenFill>
+            </a:ext>
+          </a:extLst>
+        </p:spPr>
+      </p:pic>
+    </p:spTree>
+    <p:extLst>
+      <p:ext uri="{BB962C8B-B14F-4D97-AF65-F5344CB8AC3E}">
+        <p14:creationId xmlns:p14="http://schemas.microsoft.com/office/powerpoint/2010/main" val="3942188511"/>
+      </p:ext>
+    </p:extLst>
+  </p:cSld>
+  <p:clrMapOvr>
+    <a:masterClrMapping/>
+  </p:clrMapOvr>
+</p:sld>
+</file>
+
+<file path=ppt/slides/slide26.xml><?xml version="1.0" encoding="utf-8"?>
+<p:sld xmlns:a="http://schemas.openxmlformats.org/drawingml/2006/main" xmlns:r="http://schemas.openxmlformats.org/officeDocument/2006/relationships" xmlns:p="http://schemas.openxmlformats.org/presentationml/2006/main">
+  <p:cSld>
+    <p:spTree>
+      <p:nvGrpSpPr>
+        <p:cNvPr id="1" name=""/>
+        <p:cNvGrpSpPr/>
+        <p:nvPr/>
+      </p:nvGrpSpPr>
+      <p:grpSpPr>
+        <a:xfrm>
+          <a:off x="0" y="0"/>
+          <a:ext cx="0" cy="0"/>
+          <a:chOff x="0" y="0"/>
+          <a:chExt cx="0" cy="0"/>
+        </a:xfrm>
+      </p:grpSpPr>
+      <p:sp>
+        <p:nvSpPr>
+          <p:cNvPr id="2" name="Title 1">
+            <a:extLst>
+              <a:ext uri="{FF2B5EF4-FFF2-40B4-BE49-F238E27FC236}">
+                <a16:creationId xmlns:a16="http://schemas.microsoft.com/office/drawing/2014/main" id="{EA925C40-6DCE-C24C-BCE7-871401FC7E9B}"/>
+              </a:ext>
+            </a:extLst>
+          </p:cNvPr>
+          <p:cNvSpPr>
+            <a:spLocks noGrp="1"/>
+          </p:cNvSpPr>
+          <p:nvPr>
+            <p:ph type="title"/>
+          </p:nvPr>
+        </p:nvSpPr>
+        <p:spPr/>
+        <p:txBody>
+          <a:bodyPr/>
+          <a:lstStyle/>
+          <a:p>
+            <a:r>
+              <a:rPr lang="en-US" dirty="0"/>
+              <a:t>What’s better- value or pointer method?</a:t>
+            </a:r>
+          </a:p>
+        </p:txBody>
+      </p:sp>
+      <p:sp>
+        <p:nvSpPr>
+          <p:cNvPr id="3" name="Text Placeholder 2">
+            <a:extLst>
+              <a:ext uri="{FF2B5EF4-FFF2-40B4-BE49-F238E27FC236}">
+                <a16:creationId xmlns:a16="http://schemas.microsoft.com/office/drawing/2014/main" id="{CD054C5F-B51A-A14E-BA7F-BEFF58ECA16D}"/>
+              </a:ext>
+            </a:extLst>
+          </p:cNvPr>
+          <p:cNvSpPr>
+            <a:spLocks noGrp="1"/>
+          </p:cNvSpPr>
+          <p:nvPr>
+            <p:ph type="body" idx="1"/>
+          </p:nvPr>
+        </p:nvSpPr>
+        <p:spPr/>
+        <p:txBody>
+          <a:bodyPr/>
+          <a:lstStyle/>
+          <a:p>
+            <a:r>
+              <a:rPr lang="en-US" dirty="0"/>
+              <a:t> Basically it comes down to this:</a:t>
+            </a:r>
+            <a:br>
+              <a:rPr lang="en-US" dirty="0"/>
+            </a:br>
+            <a:endParaRPr lang="en-US" dirty="0"/>
+          </a:p>
+          <a:p>
+            <a:r>
+              <a:rPr lang="en-US" sz="2000" dirty="0">
+                <a:highlight>
+                  <a:srgbClr val="FFFF00"/>
+                </a:highlight>
+                <a:latin typeface="American Typewriter" panose="02090604020004020304" pitchFamily="18" charset="77"/>
+              </a:rPr>
+              <a:t> </a:t>
+            </a:r>
+            <a:r>
+              <a:rPr lang="en-US" sz="2000" dirty="0" err="1">
+                <a:highlight>
+                  <a:srgbClr val="FFFF00"/>
+                </a:highlight>
+                <a:latin typeface="American Typewriter" panose="02090604020004020304" pitchFamily="18" charset="77"/>
+              </a:rPr>
+              <a:t>func</a:t>
+            </a:r>
+            <a:r>
+              <a:rPr lang="en-US" sz="2000" dirty="0">
+                <a:highlight>
+                  <a:srgbClr val="FFFF00"/>
+                </a:highlight>
+                <a:latin typeface="American Typewriter" panose="02090604020004020304" pitchFamily="18" charset="77"/>
+              </a:rPr>
+              <a:t> (s *</a:t>
+            </a:r>
+            <a:r>
+              <a:rPr lang="en-US" sz="2000" dirty="0" err="1">
+                <a:highlight>
+                  <a:srgbClr val="FFFF00"/>
+                </a:highlight>
+                <a:latin typeface="American Typewriter" panose="02090604020004020304" pitchFamily="18" charset="77"/>
+              </a:rPr>
+              <a:t>MyStruct</a:t>
+            </a:r>
+            <a:r>
+              <a:rPr lang="en-US" sz="2000" dirty="0">
+                <a:highlight>
+                  <a:srgbClr val="FFFF00"/>
+                </a:highlight>
+                <a:latin typeface="American Typewriter" panose="02090604020004020304" pitchFamily="18" charset="77"/>
+              </a:rPr>
+              <a:t>) </a:t>
+            </a:r>
+            <a:r>
+              <a:rPr lang="en-US" sz="2000" dirty="0" err="1">
+                <a:highlight>
+                  <a:srgbClr val="FFFF00"/>
+                </a:highlight>
+                <a:latin typeface="American Typewriter" panose="02090604020004020304" pitchFamily="18" charset="77"/>
+              </a:rPr>
+              <a:t>pointerMethod</a:t>
+            </a:r>
+            <a:r>
+              <a:rPr lang="en-US" sz="2000" dirty="0">
+                <a:highlight>
+                  <a:srgbClr val="FFFF00"/>
+                </a:highlight>
+                <a:latin typeface="American Typewriter" panose="02090604020004020304" pitchFamily="18" charset="77"/>
+              </a:rPr>
+              <a:t>() { } // method on pointer</a:t>
+            </a:r>
+          </a:p>
+          <a:p>
+            <a:r>
+              <a:rPr lang="en-US" sz="2000" dirty="0">
+                <a:highlight>
+                  <a:srgbClr val="FFFF00"/>
+                </a:highlight>
+                <a:latin typeface="American Typewriter" panose="02090604020004020304" pitchFamily="18" charset="77"/>
+              </a:rPr>
+              <a:t> </a:t>
+            </a:r>
+            <a:r>
+              <a:rPr lang="en-US" sz="2000" dirty="0" err="1">
+                <a:highlight>
+                  <a:srgbClr val="FFFF00"/>
+                </a:highlight>
+                <a:latin typeface="American Typewriter" panose="02090604020004020304" pitchFamily="18" charset="77"/>
+              </a:rPr>
+              <a:t>func</a:t>
+            </a:r>
+            <a:r>
+              <a:rPr lang="en-US" sz="2000" dirty="0">
+                <a:highlight>
+                  <a:srgbClr val="FFFF00"/>
+                </a:highlight>
+                <a:latin typeface="American Typewriter" panose="02090604020004020304" pitchFamily="18" charset="77"/>
+              </a:rPr>
+              <a:t> (s </a:t>
+            </a:r>
+            <a:r>
+              <a:rPr lang="en-US" sz="2000" dirty="0" err="1">
+                <a:highlight>
+                  <a:srgbClr val="FFFF00"/>
+                </a:highlight>
+                <a:latin typeface="American Typewriter" panose="02090604020004020304" pitchFamily="18" charset="77"/>
+              </a:rPr>
+              <a:t>MyStruct</a:t>
+            </a:r>
+            <a:r>
+              <a:rPr lang="en-US" sz="2000" dirty="0">
+                <a:highlight>
+                  <a:srgbClr val="FFFF00"/>
+                </a:highlight>
+                <a:latin typeface="American Typewriter" panose="02090604020004020304" pitchFamily="18" charset="77"/>
+              </a:rPr>
+              <a:t>) </a:t>
+            </a:r>
+            <a:r>
+              <a:rPr lang="en-US" sz="2000" dirty="0" err="1">
+                <a:highlight>
+                  <a:srgbClr val="FFFF00"/>
+                </a:highlight>
+                <a:latin typeface="American Typewriter" panose="02090604020004020304" pitchFamily="18" charset="77"/>
+              </a:rPr>
+              <a:t>valueMethod</a:t>
+            </a:r>
+            <a:r>
+              <a:rPr lang="en-US" sz="2000" dirty="0">
+                <a:highlight>
+                  <a:srgbClr val="FFFF00"/>
+                </a:highlight>
+                <a:latin typeface="American Typewriter" panose="02090604020004020304" pitchFamily="18" charset="77"/>
+              </a:rPr>
+              <a:t>() { } // method on value</a:t>
+            </a:r>
+          </a:p>
+          <a:p>
+            <a:endParaRPr lang="en-US" sz="2400" dirty="0">
+              <a:highlight>
+                <a:srgbClr val="FFFF00"/>
+              </a:highlight>
+            </a:endParaRPr>
+          </a:p>
+          <a:p>
+            <a:r>
+              <a:rPr lang="en-US" sz="2400" dirty="0"/>
+              <a:t>Pointer method is better for large structs because you aren’t making a copy of a struct. </a:t>
+            </a:r>
+          </a:p>
+          <a:p>
+            <a:r>
+              <a:rPr lang="en-US" sz="2400" dirty="0"/>
+              <a:t>Values work well for smaller data types- like slices, small structs, etc.</a:t>
+            </a:r>
+          </a:p>
+        </p:txBody>
+      </p:sp>
+      <p:pic>
+        <p:nvPicPr>
+          <p:cNvPr id="8194" name="Picture 2" descr="Image result for go gopher">
+            <a:extLst>
+              <a:ext uri="{FF2B5EF4-FFF2-40B4-BE49-F238E27FC236}">
+                <a16:creationId xmlns:a16="http://schemas.microsoft.com/office/drawing/2014/main" id="{7CDEA8FC-B40C-3740-BFA7-3582976094CA}"/>
+              </a:ext>
+            </a:extLst>
+          </p:cNvPr>
+          <p:cNvPicPr>
+            <a:picLocks noChangeAspect="1" noChangeArrowheads="1"/>
+          </p:cNvPicPr>
+          <p:nvPr/>
+        </p:nvPicPr>
+        <p:blipFill>
+          <a:blip r:embed="rId2">
+            <a:extLst>
+              <a:ext uri="{28A0092B-C50C-407E-A947-70E740481C1C}">
+                <a14:useLocalDpi xmlns:a14="http://schemas.microsoft.com/office/drawing/2010/main" val="0"/>
+              </a:ext>
+            </a:extLst>
+          </a:blip>
+          <a:srcRect/>
+          <a:stretch>
+            <a:fillRect/>
+          </a:stretch>
+        </p:blipFill>
+        <p:spPr bwMode="auto">
+          <a:xfrm>
+            <a:off x="4839485" y="5099901"/>
+            <a:ext cx="2085353" cy="1370160"/>
+          </a:xfrm>
+          <a:prstGeom prst="rect">
+            <a:avLst/>
+          </a:prstGeom>
+          <a:noFill/>
+          <a:extLst>
+            <a:ext uri="{909E8E84-426E-40DD-AFC4-6F175D3DCCD1}">
+              <a14:hiddenFill xmlns:a14="http://schemas.microsoft.com/office/drawing/2010/main">
+                <a:solidFill>
+                  <a:srgbClr val="FFFFFF"/>
+                </a:solidFill>
+              </a14:hiddenFill>
+            </a:ext>
+          </a:extLst>
+        </p:spPr>
+      </p:pic>
+    </p:spTree>
+    <p:extLst>
+      <p:ext uri="{BB962C8B-B14F-4D97-AF65-F5344CB8AC3E}">
+        <p14:creationId xmlns:p14="http://schemas.microsoft.com/office/powerpoint/2010/main" val="3701458958"/>
+      </p:ext>
+    </p:extLst>
+  </p:cSld>
+  <p:clrMapOvr>
+    <a:masterClrMapping/>
+  </p:clrMapOvr>
+</p:sld>
+</file>
+
+<file path=ppt/slides/slide27.xml><?xml version="1.0" encoding="utf-8"?>
+<p:sld xmlns:a="http://schemas.openxmlformats.org/drawingml/2006/main" xmlns:r="http://schemas.openxmlformats.org/officeDocument/2006/relationships" xmlns:p="http://schemas.openxmlformats.org/presentationml/2006/main">
+  <p:cSld>
+    <p:spTree>
+      <p:nvGrpSpPr>
+        <p:cNvPr id="1" name=""/>
+        <p:cNvGrpSpPr/>
+        <p:nvPr/>
+      </p:nvGrpSpPr>
+      <p:grpSpPr>
+        <a:xfrm>
+          <a:off x="0" y="0"/>
+          <a:ext cx="0" cy="0"/>
+          <a:chOff x="0" y="0"/>
+          <a:chExt cx="0" cy="0"/>
+        </a:xfrm>
+      </p:grpSpPr>
+      <p:sp>
+        <p:nvSpPr>
+          <p:cNvPr id="2" name="Title 1">
+            <a:extLst>
+              <a:ext uri="{FF2B5EF4-FFF2-40B4-BE49-F238E27FC236}">
+                <a16:creationId xmlns:a16="http://schemas.microsoft.com/office/drawing/2014/main" id="{9B920015-5B9E-5B49-9685-6596E00F8475}"/>
+              </a:ext>
+            </a:extLst>
+          </p:cNvPr>
+          <p:cNvSpPr>
+            <a:spLocks noGrp="1"/>
+          </p:cNvSpPr>
+          <p:nvPr>
+            <p:ph type="title"/>
+          </p:nvPr>
+        </p:nvSpPr>
+        <p:spPr/>
+        <p:txBody>
+          <a:bodyPr/>
+          <a:lstStyle/>
+          <a:p>
+            <a:r>
+              <a:rPr lang="en-US" dirty="0"/>
+              <a:t>Embedding Structs in GO</a:t>
+            </a:r>
+          </a:p>
+        </p:txBody>
+      </p:sp>
+      <p:sp>
+        <p:nvSpPr>
+          <p:cNvPr id="3" name="Text Placeholder 2">
+            <a:extLst>
+              <a:ext uri="{FF2B5EF4-FFF2-40B4-BE49-F238E27FC236}">
+                <a16:creationId xmlns:a16="http://schemas.microsoft.com/office/drawing/2014/main" id="{200D32DF-86D5-ED4B-A951-2C15CE627847}"/>
+              </a:ext>
+            </a:extLst>
+          </p:cNvPr>
+          <p:cNvSpPr>
+            <a:spLocks noGrp="1"/>
+          </p:cNvSpPr>
+          <p:nvPr>
+            <p:ph type="body" idx="1"/>
+          </p:nvPr>
+        </p:nvSpPr>
+        <p:spPr/>
+        <p:txBody>
+          <a:bodyPr/>
+          <a:lstStyle/>
+          <a:p>
+            <a:r>
+              <a:rPr lang="en-US" dirty="0"/>
+              <a:t> …and while we’re on the subject of STRUCT manipulation…</a:t>
+            </a:r>
+          </a:p>
+          <a:p>
+            <a:r>
+              <a:rPr lang="en-US" dirty="0"/>
+              <a:t> If you want to get around issues of the </a:t>
+            </a:r>
+            <a:r>
+              <a:rPr lang="en-US" b="1" dirty="0"/>
+              <a:t>lack of type hierarchy</a:t>
+            </a:r>
+            <a:r>
+              <a:rPr lang="en-US" i="1" dirty="0"/>
+              <a:t> </a:t>
+            </a:r>
+            <a:r>
+              <a:rPr lang="en-US" dirty="0"/>
+              <a:t>in GO (</a:t>
+            </a:r>
+            <a:r>
+              <a:rPr lang="en-US" dirty="0" err="1"/>
+              <a:t>i.e</a:t>
+            </a:r>
+            <a:r>
+              <a:rPr lang="en-US" dirty="0"/>
+              <a:t>: you want to use </a:t>
+            </a:r>
+            <a:r>
+              <a:rPr lang="en-US" b="1" dirty="0"/>
+              <a:t>inheritance</a:t>
+            </a:r>
+            <a:r>
+              <a:rPr lang="en-US" dirty="0"/>
+              <a:t>) you can use </a:t>
+            </a:r>
+            <a:r>
+              <a:rPr lang="en-US" b="1" dirty="0"/>
+              <a:t>embedding of structs</a:t>
+            </a:r>
+            <a:r>
+              <a:rPr lang="en-US" dirty="0"/>
+              <a:t> to accomplish something a LOT LIKE inheritance between structs.</a:t>
+            </a:r>
+          </a:p>
+          <a:p>
+            <a:pPr marL="177800" indent="0">
+              <a:buNone/>
+            </a:pPr>
+            <a:r>
+              <a:rPr lang="en-US" sz="2000" dirty="0">
+                <a:highlight>
+                  <a:srgbClr val="FFFF00"/>
+                </a:highlight>
+              </a:rPr>
+              <a:t>type </a:t>
+            </a:r>
+            <a:r>
+              <a:rPr lang="en-US" sz="2000" dirty="0" err="1">
+                <a:highlight>
+                  <a:srgbClr val="FFFF00"/>
+                </a:highlight>
+              </a:rPr>
+              <a:t>newStruct</a:t>
+            </a:r>
+            <a:r>
+              <a:rPr lang="en-US" sz="2000" dirty="0">
+                <a:highlight>
+                  <a:srgbClr val="FFFF00"/>
+                </a:highlight>
+              </a:rPr>
+              <a:t> {</a:t>
+            </a:r>
+          </a:p>
+          <a:p>
+            <a:pPr marL="177800" indent="0">
+              <a:buNone/>
+            </a:pPr>
+            <a:r>
+              <a:rPr lang="en-US" sz="2000" dirty="0">
+                <a:highlight>
+                  <a:srgbClr val="FFFF00"/>
+                </a:highlight>
+              </a:rPr>
+              <a:t>    </a:t>
+            </a:r>
+            <a:r>
+              <a:rPr lang="en-US" sz="2000" dirty="0" err="1">
+                <a:highlight>
+                  <a:srgbClr val="FFFF00"/>
+                </a:highlight>
+              </a:rPr>
+              <a:t>specificthingie</a:t>
+            </a:r>
+            <a:r>
+              <a:rPr lang="en-US" sz="2000" dirty="0">
+                <a:highlight>
+                  <a:srgbClr val="FFFF00"/>
+                </a:highlight>
+              </a:rPr>
+              <a:t> string</a:t>
+            </a:r>
+          </a:p>
+          <a:p>
+            <a:pPr marL="177800" indent="0">
+              <a:buNone/>
+            </a:pPr>
+            <a:r>
+              <a:rPr lang="en-US" sz="2000" dirty="0">
+                <a:highlight>
+                  <a:srgbClr val="FFFF00"/>
+                </a:highlight>
+              </a:rPr>
+              <a:t>}</a:t>
+            </a:r>
+          </a:p>
+          <a:p>
+            <a:pPr marL="177800" indent="0">
+              <a:buNone/>
+            </a:pPr>
+            <a:r>
+              <a:rPr lang="en-US" sz="2000" dirty="0">
+                <a:highlight>
+                  <a:srgbClr val="FFFF00"/>
+                </a:highlight>
+              </a:rPr>
+              <a:t>type </a:t>
+            </a:r>
+            <a:r>
+              <a:rPr lang="en-US" sz="2000" dirty="0" err="1">
+                <a:highlight>
+                  <a:srgbClr val="FFFF00"/>
+                </a:highlight>
+              </a:rPr>
+              <a:t>embedStruct</a:t>
+            </a:r>
+            <a:r>
+              <a:rPr lang="en-US" sz="2000" dirty="0">
+                <a:highlight>
+                  <a:srgbClr val="FFFF00"/>
+                </a:highlight>
+              </a:rPr>
+              <a:t> {</a:t>
+            </a:r>
+          </a:p>
+          <a:p>
+            <a:pPr marL="177800" indent="0">
+              <a:buNone/>
+            </a:pPr>
+            <a:r>
+              <a:rPr lang="en-US" sz="2000" dirty="0">
+                <a:highlight>
+                  <a:srgbClr val="FFFF00"/>
+                </a:highlight>
+              </a:rPr>
+              <a:t>	</a:t>
+            </a:r>
+            <a:r>
+              <a:rPr lang="en-US" sz="2000" dirty="0" err="1">
+                <a:highlight>
+                  <a:srgbClr val="FFFF00"/>
+                </a:highlight>
+              </a:rPr>
+              <a:t>newStruct</a:t>
+            </a:r>
+            <a:r>
+              <a:rPr lang="en-US" sz="2000" dirty="0">
+                <a:highlight>
+                  <a:srgbClr val="FFFF00"/>
+                </a:highlight>
+              </a:rPr>
+              <a:t> </a:t>
+            </a:r>
+          </a:p>
+          <a:p>
+            <a:pPr marL="177800" indent="0">
+              <a:buNone/>
+            </a:pPr>
+            <a:r>
+              <a:rPr lang="en-US" sz="2000" dirty="0">
+                <a:highlight>
+                  <a:srgbClr val="FFFF00"/>
+                </a:highlight>
+              </a:rPr>
+              <a:t>}</a:t>
+            </a:r>
+          </a:p>
+        </p:txBody>
+      </p:sp>
+      <p:pic>
+        <p:nvPicPr>
+          <p:cNvPr id="13314" name="Picture 2" descr="Image result for go gopher">
+            <a:extLst>
+              <a:ext uri="{FF2B5EF4-FFF2-40B4-BE49-F238E27FC236}">
+                <a16:creationId xmlns:a16="http://schemas.microsoft.com/office/drawing/2014/main" id="{F1FC09AC-E40D-034A-9D1A-DF8193B69033}"/>
+              </a:ext>
+            </a:extLst>
+          </p:cNvPr>
+          <p:cNvPicPr>
+            <a:picLocks noChangeAspect="1" noChangeArrowheads="1"/>
+          </p:cNvPicPr>
+          <p:nvPr/>
+        </p:nvPicPr>
+        <p:blipFill>
+          <a:blip r:embed="rId2">
+            <a:extLst>
+              <a:ext uri="{28A0092B-C50C-407E-A947-70E740481C1C}">
+                <a14:useLocalDpi xmlns:a14="http://schemas.microsoft.com/office/drawing/2010/main" val="0"/>
+              </a:ext>
+            </a:extLst>
+          </a:blip>
+          <a:srcRect/>
+          <a:stretch>
+            <a:fillRect/>
+          </a:stretch>
+        </p:blipFill>
+        <p:spPr bwMode="auto">
+          <a:xfrm>
+            <a:off x="4256529" y="4110741"/>
+            <a:ext cx="3289300" cy="2463800"/>
+          </a:xfrm>
+          <a:prstGeom prst="rect">
+            <a:avLst/>
+          </a:prstGeom>
+          <a:noFill/>
+          <a:extLst>
+            <a:ext uri="{909E8E84-426E-40DD-AFC4-6F175D3DCCD1}">
+              <a14:hiddenFill xmlns:a14="http://schemas.microsoft.com/office/drawing/2010/main">
+                <a:solidFill>
+                  <a:srgbClr val="FFFFFF"/>
+                </a:solidFill>
+              </a14:hiddenFill>
+            </a:ext>
+          </a:extLst>
+        </p:spPr>
+      </p:pic>
+    </p:spTree>
+    <p:extLst>
+      <p:ext uri="{BB962C8B-B14F-4D97-AF65-F5344CB8AC3E}">
+        <p14:creationId xmlns:p14="http://schemas.microsoft.com/office/powerpoint/2010/main" val="2270346705"/>
+      </p:ext>
+    </p:extLst>
+  </p:cSld>
+  <p:clrMapOvr>
+    <a:masterClrMapping/>
+  </p:clrMapOvr>
+</p:sld>
+</file>
+
+<file path=ppt/slides/slide28.xml><?xml version="1.0" encoding="utf-8"?>
+<p:sld xmlns:a="http://schemas.openxmlformats.org/drawingml/2006/main" xmlns:r="http://schemas.openxmlformats.org/officeDocument/2006/relationships" xmlns:p="http://schemas.openxmlformats.org/presentationml/2006/main">
+  <p:cSld>
+    <p:spTree>
+      <p:nvGrpSpPr>
+        <p:cNvPr id="1" name=""/>
+        <p:cNvGrpSpPr/>
+        <p:nvPr/>
+      </p:nvGrpSpPr>
+      <p:grpSpPr>
+        <a:xfrm>
+          <a:off x="0" y="0"/>
+          <a:ext cx="0" cy="0"/>
+          <a:chOff x="0" y="0"/>
+          <a:chExt cx="0" cy="0"/>
+        </a:xfrm>
+      </p:grpSpPr>
+      <p:sp>
+        <p:nvSpPr>
+          <p:cNvPr id="2" name="Title 1">
+            <a:extLst>
+              <a:ext uri="{FF2B5EF4-FFF2-40B4-BE49-F238E27FC236}">
+                <a16:creationId xmlns:a16="http://schemas.microsoft.com/office/drawing/2014/main" id="{E45C1535-AA6E-5D4B-8B77-F1DB1F3966D5}"/>
+              </a:ext>
+            </a:extLst>
+          </p:cNvPr>
+          <p:cNvSpPr>
+            <a:spLocks noGrp="1"/>
+          </p:cNvSpPr>
+          <p:nvPr>
+            <p:ph type="title"/>
+          </p:nvPr>
+        </p:nvSpPr>
+        <p:spPr/>
+        <p:txBody>
+          <a:bodyPr/>
+          <a:lstStyle/>
+          <a:p>
+            <a:r>
+              <a:rPr lang="en-US" dirty="0"/>
+              <a:t>Anonymous Structs in GO</a:t>
+            </a:r>
+          </a:p>
+        </p:txBody>
+      </p:sp>
+      <p:sp>
+        <p:nvSpPr>
+          <p:cNvPr id="3" name="Text Placeholder 2">
+            <a:extLst>
+              <a:ext uri="{FF2B5EF4-FFF2-40B4-BE49-F238E27FC236}">
+                <a16:creationId xmlns:a16="http://schemas.microsoft.com/office/drawing/2014/main" id="{415BD314-EE80-5040-8BA8-046B354969B6}"/>
+              </a:ext>
+            </a:extLst>
+          </p:cNvPr>
+          <p:cNvSpPr>
+            <a:spLocks noGrp="1"/>
+          </p:cNvSpPr>
+          <p:nvPr>
+            <p:ph type="body" idx="1"/>
+          </p:nvPr>
+        </p:nvSpPr>
+        <p:spPr/>
+        <p:txBody>
+          <a:bodyPr/>
+          <a:lstStyle/>
+          <a:p>
+            <a:r>
+              <a:rPr lang="en-US" dirty="0"/>
+              <a:t> You can also create </a:t>
+            </a:r>
+            <a:r>
+              <a:rPr lang="en-US" b="1" dirty="0"/>
+              <a:t>anonymous structs</a:t>
+            </a:r>
+          </a:p>
+          <a:p>
+            <a:r>
+              <a:rPr lang="en-US" dirty="0"/>
+              <a:t>These should be used for One-and-done</a:t>
+            </a:r>
+          </a:p>
+          <a:p>
+            <a:r>
+              <a:rPr lang="en-US" dirty="0"/>
+              <a:t>If you don’t need to re-use a struct- make an anonymous structure </a:t>
+            </a:r>
+            <a:r>
+              <a:rPr lang="en-US"/>
+              <a:t>(see lab)</a:t>
+            </a:r>
+            <a:endParaRPr lang="en-US" dirty="0"/>
+          </a:p>
+        </p:txBody>
+      </p:sp>
+      <p:pic>
+        <p:nvPicPr>
+          <p:cNvPr id="14338" name="Picture 2" descr="https://cdn-images-1.medium.com/max/600/1*RCI7fAVgYFYhbGvPIgBVxg.png">
+            <a:extLst>
+              <a:ext uri="{FF2B5EF4-FFF2-40B4-BE49-F238E27FC236}">
+                <a16:creationId xmlns:a16="http://schemas.microsoft.com/office/drawing/2014/main" id="{4229ED10-882D-9D43-B9EA-A429A779E4BA}"/>
+              </a:ext>
+            </a:extLst>
+          </p:cNvPr>
+          <p:cNvPicPr>
+            <a:picLocks noChangeAspect="1" noChangeArrowheads="1"/>
+          </p:cNvPicPr>
+          <p:nvPr/>
+        </p:nvPicPr>
+        <p:blipFill>
+          <a:blip r:embed="rId2">
+            <a:extLst>
+              <a:ext uri="{28A0092B-C50C-407E-A947-70E740481C1C}">
+                <a14:useLocalDpi xmlns:a14="http://schemas.microsoft.com/office/drawing/2010/main" val="0"/>
+              </a:ext>
+            </a:extLst>
+          </a:blip>
+          <a:srcRect/>
+          <a:stretch>
+            <a:fillRect/>
+          </a:stretch>
+        </p:blipFill>
+        <p:spPr bwMode="auto">
+          <a:xfrm>
+            <a:off x="3356728" y="4227921"/>
+            <a:ext cx="2006338" cy="2006338"/>
+          </a:xfrm>
+          <a:prstGeom prst="rect">
+            <a:avLst/>
+          </a:prstGeom>
+          <a:noFill/>
+          <a:extLst>
+            <a:ext uri="{909E8E84-426E-40DD-AFC4-6F175D3DCCD1}">
+              <a14:hiddenFill xmlns:a14="http://schemas.microsoft.com/office/drawing/2010/main">
+                <a:solidFill>
+                  <a:srgbClr val="FFFFFF"/>
+                </a:solidFill>
+              </a14:hiddenFill>
+            </a:ext>
+          </a:extLst>
+        </p:spPr>
+      </p:pic>
+    </p:spTree>
+    <p:extLst>
+      <p:ext uri="{BB962C8B-B14F-4D97-AF65-F5344CB8AC3E}">
+        <p14:creationId xmlns:p14="http://schemas.microsoft.com/office/powerpoint/2010/main" val="3222373295"/>
+      </p:ext>
+    </p:extLst>
+  </p:cSld>
+  <p:clrMapOvr>
+    <a:masterClrMapping/>
+  </p:clrMapOvr>
+</p:sld>
+</file>
+
+<file path=ppt/slides/slide29.xml><?xml version="1.0" encoding="utf-8"?>
+<p:sld xmlns:a="http://schemas.openxmlformats.org/drawingml/2006/main" xmlns:r="http://schemas.openxmlformats.org/officeDocument/2006/relationships" xmlns:p="http://schemas.openxmlformats.org/presentationml/2006/main">
+  <p:cSld>
+    <p:spTree>
+      <p:nvGrpSpPr>
+        <p:cNvPr id="1" name="Shape 113"/>
+        <p:cNvGrpSpPr/>
+        <p:nvPr/>
+      </p:nvGrpSpPr>
+      <p:grpSpPr>
+        <a:xfrm>
+          <a:off x="0" y="0"/>
+          <a:ext cx="0" cy="0"/>
+          <a:chOff x="0" y="0"/>
+          <a:chExt cx="0" cy="0"/>
+        </a:xfrm>
+      </p:grpSpPr>
+      <p:sp>
+        <p:nvSpPr>
+          <p:cNvPr id="114" name="Shape 114"/>
+          <p:cNvSpPr txBox="1">
+            <a:spLocks noGrp="1"/>
+          </p:cNvSpPr>
+          <p:nvPr>
+            <p:ph type="title"/>
+          </p:nvPr>
+        </p:nvSpPr>
+        <p:spPr>
+          <a:xfrm>
+            <a:off x="76200" y="152400"/>
+            <a:ext cx="8991600" cy="671400"/>
+          </a:xfrm>
+          <a:prstGeom prst="rect">
+            <a:avLst/>
+          </a:prstGeom>
+        </p:spPr>
+        <p:txBody>
+          <a:bodyPr lIns="91425" tIns="91425" rIns="91425" bIns="91425" anchor="ctr" anchorCtr="0">
+            <a:noAutofit/>
+          </a:bodyPr>
+          <a:lstStyle/>
+          <a:p>
+            <a:pPr lvl="0">
+              <a:spcBef>
+                <a:spcPts val="0"/>
+              </a:spcBef>
+              <a:buNone/>
+            </a:pPr>
+            <a:r>
+              <a:rPr lang="en-US" dirty="0"/>
+              <a:t>DATA TYPES!!</a:t>
+            </a:r>
+            <a:endParaRPr dirty="0"/>
+          </a:p>
+        </p:txBody>
+      </p:sp>
+      <p:sp>
+        <p:nvSpPr>
+          <p:cNvPr id="115" name="Shape 115"/>
+          <p:cNvSpPr txBox="1">
+            <a:spLocks noGrp="1"/>
+          </p:cNvSpPr>
+          <p:nvPr>
+            <p:ph type="body" idx="1"/>
+          </p:nvPr>
+        </p:nvSpPr>
+        <p:spPr>
+          <a:xfrm>
+            <a:off x="76200" y="1240810"/>
+            <a:ext cx="8991600" cy="4070929"/>
+          </a:xfrm>
+          <a:prstGeom prst="rect">
+            <a:avLst/>
+          </a:prstGeom>
+        </p:spPr>
+        <p:txBody>
+          <a:bodyPr lIns="91425" tIns="91425" rIns="91425" bIns="91425" anchor="t" anchorCtr="0">
+            <a:noAutofit/>
+          </a:bodyPr>
+          <a:lstStyle/>
+          <a:p>
+            <a:pPr lvl="2">
+              <a:spcBef>
+                <a:spcPts val="0"/>
+              </a:spcBef>
+            </a:pPr>
+            <a:r>
+              <a:rPr lang="en-US" dirty="0">
+                <a:solidFill>
+                  <a:schemeClr val="tx1"/>
+                </a:solidFill>
+                <a:latin typeface="+mn-lt"/>
+              </a:rPr>
+              <a:t>AND WE’RE DONE!</a:t>
+            </a:r>
+          </a:p>
+          <a:p>
+            <a:pPr lvl="2">
+              <a:spcBef>
+                <a:spcPts val="0"/>
+              </a:spcBef>
+            </a:pPr>
+            <a:r>
+              <a:rPr lang="en-US" sz="3200" dirty="0">
+                <a:solidFill>
+                  <a:schemeClr val="tx1"/>
+                </a:solidFill>
+                <a:latin typeface="+mn-lt"/>
+              </a:rPr>
+              <a:t>ANY QUESTIONS?!?</a:t>
+            </a:r>
+          </a:p>
+          <a:p>
+            <a:pPr lvl="3">
+              <a:spcBef>
+                <a:spcPts val="0"/>
+              </a:spcBef>
+            </a:pPr>
+            <a:endParaRPr lang="en-US" dirty="0">
+              <a:solidFill>
+                <a:schemeClr val="tx1"/>
+              </a:solidFill>
+              <a:latin typeface="+mn-lt"/>
+            </a:endParaRPr>
+          </a:p>
+          <a:p>
+            <a:pPr lvl="2">
+              <a:spcBef>
+                <a:spcPts val="0"/>
+              </a:spcBef>
+            </a:pPr>
+            <a:endParaRPr lang="en-US" dirty="0">
+              <a:solidFill>
+                <a:schemeClr val="tx1"/>
+              </a:solidFill>
+            </a:endParaRPr>
+          </a:p>
+          <a:p>
+            <a:pPr marL="1485900" lvl="3" indent="0">
+              <a:spcBef>
+                <a:spcPts val="0"/>
+              </a:spcBef>
+              <a:buNone/>
+            </a:pPr>
+            <a:endParaRPr lang="en-US" dirty="0">
+              <a:solidFill>
+                <a:schemeClr val="tx1"/>
+              </a:solidFill>
+              <a:latin typeface="+mn-lt"/>
+            </a:endParaRPr>
+          </a:p>
+          <a:p>
+            <a:pPr marL="1485900" lvl="3" indent="0">
+              <a:spcBef>
+                <a:spcPts val="0"/>
+              </a:spcBef>
+              <a:buNone/>
+            </a:pPr>
+            <a:endParaRPr lang="en-US" dirty="0">
+              <a:solidFill>
+                <a:schemeClr val="tx1"/>
+              </a:solidFill>
+              <a:latin typeface="+mn-lt"/>
+            </a:endParaRPr>
+          </a:p>
+          <a:p>
+            <a:pPr marL="1485900" lvl="3" indent="0">
+              <a:spcBef>
+                <a:spcPts val="0"/>
+              </a:spcBef>
+              <a:buNone/>
+            </a:pPr>
+            <a:endParaRPr lang="en-US" dirty="0">
+              <a:solidFill>
+                <a:schemeClr val="tx1"/>
+              </a:solidFill>
+              <a:latin typeface="+mn-lt"/>
+            </a:endParaRPr>
+          </a:p>
+          <a:p>
+            <a:pPr marL="1485900" lvl="3" indent="0">
+              <a:spcBef>
+                <a:spcPts val="0"/>
+              </a:spcBef>
+              <a:buNone/>
+            </a:pPr>
+            <a:endParaRPr lang="en-US" dirty="0">
+              <a:solidFill>
+                <a:schemeClr val="tx1"/>
+              </a:solidFill>
+              <a:latin typeface="+mn-lt"/>
+            </a:endParaRPr>
+          </a:p>
+          <a:p>
+            <a:pPr marL="1485900" lvl="3" indent="0">
+              <a:spcBef>
+                <a:spcPts val="0"/>
+              </a:spcBef>
+              <a:buNone/>
+            </a:pPr>
+            <a:endParaRPr lang="en-US" dirty="0">
+              <a:solidFill>
+                <a:schemeClr val="tx1"/>
+              </a:solidFill>
+              <a:latin typeface="+mn-lt"/>
+            </a:endParaRPr>
+          </a:p>
+        </p:txBody>
+      </p:sp>
+      <p:pic>
+        <p:nvPicPr>
+          <p:cNvPr id="14338" name="Picture 2" descr="Image result for golang gopher, images">
+            <a:extLst>
+              <a:ext uri="{FF2B5EF4-FFF2-40B4-BE49-F238E27FC236}">
+                <a16:creationId xmlns:a16="http://schemas.microsoft.com/office/drawing/2014/main" id="{99F98B07-359E-7D45-BFB0-9CFB89F92F9B}"/>
+              </a:ext>
+            </a:extLst>
+          </p:cNvPr>
+          <p:cNvPicPr>
+            <a:picLocks noChangeAspect="1" noChangeArrowheads="1"/>
+          </p:cNvPicPr>
+          <p:nvPr/>
+        </p:nvPicPr>
+        <p:blipFill>
+          <a:blip r:embed="rId3">
+            <a:extLst>
+              <a:ext uri="{28A0092B-C50C-407E-A947-70E740481C1C}">
+                <a14:useLocalDpi xmlns:a14="http://schemas.microsoft.com/office/drawing/2010/main" val="0"/>
+              </a:ext>
+            </a:extLst>
+          </a:blip>
+          <a:srcRect/>
+          <a:stretch>
+            <a:fillRect/>
+          </a:stretch>
+        </p:blipFill>
+        <p:spPr bwMode="auto">
+          <a:xfrm>
+            <a:off x="3075040" y="3147245"/>
+            <a:ext cx="2603500" cy="3111500"/>
+          </a:xfrm>
+          <a:prstGeom prst="rect">
+            <a:avLst/>
+          </a:prstGeom>
+          <a:noFill/>
+          <a:extLst>
+            <a:ext uri="{909E8E84-426E-40DD-AFC4-6F175D3DCCD1}">
+              <a14:hiddenFill xmlns:a14="http://schemas.microsoft.com/office/drawing/2010/main">
+                <a:solidFill>
+                  <a:srgbClr val="FFFFFF"/>
+                </a:solidFill>
+              </a14:hiddenFill>
+            </a:ext>
+          </a:extLst>
+        </p:spPr>
+      </p:pic>
+    </p:spTree>
+    <p:extLst>
+      <p:ext uri="{BB962C8B-B14F-4D97-AF65-F5344CB8AC3E}">
+        <p14:creationId xmlns:p14="http://schemas.microsoft.com/office/powerpoint/2010/main" val="3120604218"/>
+      </p:ext>
+    </p:extLst>
+  </p:cSld>
+  <p:clrMapOvr>
+    <a:masterClrMapping/>
+  </p:clrMapOvr>
+</p:sld>
+</file>
+
 <file path=ppt/slides/slide3.xml><?xml version="1.0" encoding="utf-8"?>
 <p:sld xmlns:a="http://schemas.openxmlformats.org/drawingml/2006/main" xmlns:r="http://schemas.openxmlformats.org/officeDocument/2006/relationships" xmlns:p="http://schemas.openxmlformats.org/presentationml/2006/main">
   <p:cSld>
@@ -8806,7 +12003,7 @@
                   <a:schemeClr val="tx1"/>
                 </a:solidFill>
               </a:rPr>
-              <a:t> Go has three basic control flow patterns that we’ll be reviewing: </a:t>
+              <a:t> Go has four basic control flow patterns that we’ll be reviewing: </a:t>
             </a:r>
           </a:p>
           <a:p>
@@ -8853,6 +12050,26 @@
               </a:rPr>
               <a:t> switch</a:t>
             </a:r>
+          </a:p>
+          <a:p>
+            <a:pPr lvl="2">
+              <a:spcBef>
+                <a:spcPts val="0"/>
+              </a:spcBef>
+            </a:pPr>
+            <a:r>
+              <a:rPr lang="en-US" dirty="0" err="1">
+                <a:solidFill>
+                  <a:schemeClr val="tx1"/>
+                </a:solidFill>
+              </a:rPr>
+              <a:t>goto</a:t>
+            </a:r>
+            <a:endParaRPr lang="en-US" dirty="0">
+              <a:solidFill>
+                <a:schemeClr val="tx1"/>
+              </a:solidFill>
+            </a:endParaRPr>
           </a:p>
           <a:p>
             <a:pPr lvl="2">
